--- a/Bot.pptx
+++ b/Bot.pptx
@@ -5,14 +5,14 @@
     <p:sldMasterId id="2147483648" r:id="rId1"/>
   </p:sldMasterIdLst>
   <p:notesMasterIdLst>
-    <p:notesMasterId r:id="rId19"/>
+    <p:notesMasterId r:id="rId20"/>
   </p:notesMasterIdLst>
   <p:sldIdLst>
     <p:sldId id="313" r:id="rId2"/>
-    <p:sldId id="327" r:id="rId3"/>
-    <p:sldId id="301" r:id="rId4"/>
-    <p:sldId id="317" r:id="rId5"/>
-    <p:sldId id="322" r:id="rId6"/>
+    <p:sldId id="301" r:id="rId3"/>
+    <p:sldId id="327" r:id="rId4"/>
+    <p:sldId id="322" r:id="rId5"/>
+    <p:sldId id="317" r:id="rId6"/>
     <p:sldId id="321" r:id="rId7"/>
     <p:sldId id="295" r:id="rId8"/>
     <p:sldId id="320" r:id="rId9"/>
@@ -20,11 +20,12 @@
     <p:sldId id="315" r:id="rId11"/>
     <p:sldId id="316" r:id="rId12"/>
     <p:sldId id="318" r:id="rId13"/>
-    <p:sldId id="323" r:id="rId14"/>
-    <p:sldId id="324" r:id="rId15"/>
-    <p:sldId id="325" r:id="rId16"/>
-    <p:sldId id="326" r:id="rId17"/>
-    <p:sldId id="312" r:id="rId18"/>
+    <p:sldId id="329" r:id="rId14"/>
+    <p:sldId id="323" r:id="rId15"/>
+    <p:sldId id="324" r:id="rId16"/>
+    <p:sldId id="325" r:id="rId17"/>
+    <p:sldId id="326" r:id="rId18"/>
+    <p:sldId id="312" r:id="rId19"/>
   </p:sldIdLst>
   <p:sldSz cx="9144000" cy="6858000" type="screen4x3"/>
   <p:notesSz cx="6858000" cy="9144000"/>
@@ -209,7 +210,7 @@
             <a:fld id="{56885D29-987E-4541-BACD-CADDD3BF6329}" type="datetimeFigureOut">
               <a:rPr lang="en-US" smtClean="0"/>
               <a:pPr/>
-              <a:t>10/28/2017</a:t>
+              <a:t>10/29/2017</a:t>
             </a:fld>
             <a:endParaRPr lang="en-US"/>
           </a:p>
@@ -657,7 +658,7 @@
             <a:fld id="{1D8BD707-D9CF-40AE-B4C6-C98DA3205C09}" type="datetimeFigureOut">
               <a:rPr lang="en-US" smtClean="0"/>
               <a:pPr/>
-              <a:t>10/28/2017</a:t>
+              <a:t>10/29/2017</a:t>
             </a:fld>
             <a:endParaRPr lang="en-US"/>
           </a:p>
@@ -824,7 +825,7 @@
             <a:fld id="{1D8BD707-D9CF-40AE-B4C6-C98DA3205C09}" type="datetimeFigureOut">
               <a:rPr lang="en-US" smtClean="0"/>
               <a:pPr/>
-              <a:t>10/28/2017</a:t>
+              <a:t>10/29/2017</a:t>
             </a:fld>
             <a:endParaRPr lang="en-US"/>
           </a:p>
@@ -1001,7 +1002,7 @@
             <a:fld id="{1D8BD707-D9CF-40AE-B4C6-C98DA3205C09}" type="datetimeFigureOut">
               <a:rPr lang="en-US" smtClean="0"/>
               <a:pPr/>
-              <a:t>10/28/2017</a:t>
+              <a:t>10/29/2017</a:t>
             </a:fld>
             <a:endParaRPr lang="en-US"/>
           </a:p>
@@ -1168,7 +1169,7 @@
             <a:fld id="{1D8BD707-D9CF-40AE-B4C6-C98DA3205C09}" type="datetimeFigureOut">
               <a:rPr lang="en-US" smtClean="0"/>
               <a:pPr/>
-              <a:t>10/28/2017</a:t>
+              <a:t>10/29/2017</a:t>
             </a:fld>
             <a:endParaRPr lang="en-US"/>
           </a:p>
@@ -1411,7 +1412,7 @@
             <a:fld id="{1D8BD707-D9CF-40AE-B4C6-C98DA3205C09}" type="datetimeFigureOut">
               <a:rPr lang="en-US" smtClean="0"/>
               <a:pPr/>
-              <a:t>10/28/2017</a:t>
+              <a:t>10/29/2017</a:t>
             </a:fld>
             <a:endParaRPr lang="en-US"/>
           </a:p>
@@ -1696,7 +1697,7 @@
             <a:fld id="{1D8BD707-D9CF-40AE-B4C6-C98DA3205C09}" type="datetimeFigureOut">
               <a:rPr lang="en-US" smtClean="0"/>
               <a:pPr/>
-              <a:t>10/28/2017</a:t>
+              <a:t>10/29/2017</a:t>
             </a:fld>
             <a:endParaRPr lang="en-US"/>
           </a:p>
@@ -2115,7 +2116,7 @@
             <a:fld id="{1D8BD707-D9CF-40AE-B4C6-C98DA3205C09}" type="datetimeFigureOut">
               <a:rPr lang="en-US" smtClean="0"/>
               <a:pPr/>
-              <a:t>10/28/2017</a:t>
+              <a:t>10/29/2017</a:t>
             </a:fld>
             <a:endParaRPr lang="en-US"/>
           </a:p>
@@ -2230,7 +2231,7 @@
             <a:fld id="{1D8BD707-D9CF-40AE-B4C6-C98DA3205C09}" type="datetimeFigureOut">
               <a:rPr lang="en-US" smtClean="0"/>
               <a:pPr/>
-              <a:t>10/28/2017</a:t>
+              <a:t>10/29/2017</a:t>
             </a:fld>
             <a:endParaRPr lang="en-US"/>
           </a:p>
@@ -2322,7 +2323,7 @@
             <a:fld id="{1D8BD707-D9CF-40AE-B4C6-C98DA3205C09}" type="datetimeFigureOut">
               <a:rPr lang="en-US" smtClean="0"/>
               <a:pPr/>
-              <a:t>10/28/2017</a:t>
+              <a:t>10/29/2017</a:t>
             </a:fld>
             <a:endParaRPr lang="en-US"/>
           </a:p>
@@ -2596,7 +2597,7 @@
             <a:fld id="{1D8BD707-D9CF-40AE-B4C6-C98DA3205C09}" type="datetimeFigureOut">
               <a:rPr lang="en-US" smtClean="0"/>
               <a:pPr/>
-              <a:t>10/28/2017</a:t>
+              <a:t>10/29/2017</a:t>
             </a:fld>
             <a:endParaRPr lang="en-US"/>
           </a:p>
@@ -2846,7 +2847,7 @@
             <a:fld id="{1D8BD707-D9CF-40AE-B4C6-C98DA3205C09}" type="datetimeFigureOut">
               <a:rPr lang="en-US" smtClean="0"/>
               <a:pPr/>
-              <a:t>10/28/2017</a:t>
+              <a:t>10/29/2017</a:t>
             </a:fld>
             <a:endParaRPr lang="en-US"/>
           </a:p>
@@ -3056,7 +3057,7 @@
             <a:fld id="{1D8BD707-D9CF-40AE-B4C6-C98DA3205C09}" type="datetimeFigureOut">
               <a:rPr lang="en-US" smtClean="0"/>
               <a:pPr/>
-              <a:t>10/28/2017</a:t>
+              <a:t>10/29/2017</a:t>
             </a:fld>
             <a:endParaRPr lang="en-US"/>
           </a:p>
@@ -3413,6 +3414,20 @@
 <file path=ppt/slides/slide1.xml><?xml version="1.0" encoding="utf-8"?>
 <p:sld xmlns:a="http://schemas.openxmlformats.org/drawingml/2006/main" xmlns:r="http://schemas.openxmlformats.org/officeDocument/2006/relationships" xmlns:p="http://schemas.openxmlformats.org/presentationml/2006/main">
   <p:cSld>
+    <p:bg>
+      <p:bgPr>
+        <a:blipFill dpi="0" rotWithShape="1">
+          <a:blip r:embed="rId2">
+            <a:lum/>
+          </a:blip>
+          <a:srcRect/>
+          <a:stretch>
+            <a:fillRect l="-25000" r="-25000"/>
+          </a:stretch>
+        </a:blipFill>
+        <a:effectLst/>
+      </p:bgPr>
+    </p:bg>
     <p:spTree>
       <p:nvGrpSpPr>
         <p:cNvPr id="1" name=""/>
@@ -3451,48 +3466,47 @@
           <a:p>
             <a:r>
               <a:rPr lang="ru-RU" dirty="0" smtClean="0"/>
+              <a:t/>
+            </a:r>
+            <a:br>
+              <a:rPr lang="ru-RU" dirty="0" smtClean="0"/>
+            </a:br>
+            <a:r>
+              <a:rPr lang="ru-RU" dirty="0" smtClean="0"/>
               <a:t>БОТЫ</a:t>
             </a:r>
+            <a:r>
+              <a:rPr lang="en-US" dirty="0" smtClean="0"/>
+              <a:t/>
+            </a:r>
             <a:br>
-              <a:rPr lang="ru-RU" dirty="0" smtClean="0"/>
+              <a:rPr lang="en-US" dirty="0" smtClean="0"/>
             </a:br>
             <a:r>
               <a:rPr lang="ru-RU" dirty="0" smtClean="0"/>
-              <a:t>для </a:t>
-            </a:r>
-            <a:r>
-              <a:rPr lang="en-US" dirty="0" smtClean="0"/>
-              <a:t>Telegram</a:t>
+              <a:t>и</a:t>
             </a:r>
             <a:br>
-              <a:rPr lang="en-US" dirty="0" smtClean="0"/>
+              <a:rPr lang="ru-RU" dirty="0" smtClean="0"/>
             </a:br>
             <a:r>
               <a:rPr lang="ru-RU" dirty="0" smtClean="0"/>
-              <a:t>для </a:t>
-            </a:r>
-            <a:r>
-              <a:rPr lang="en-US" dirty="0" err="1" smtClean="0"/>
-              <a:t>Facebook</a:t>
-            </a:r>
-            <a:r>
-              <a:rPr lang="en-US" dirty="0" smtClean="0"/>
+              <a:t>способы их </a:t>
+            </a:r>
+            <a:r>
+              <a:rPr lang="ru-RU" dirty="0" smtClean="0"/>
+              <a:t>создания</a:t>
+            </a:r>
+            <a:br>
+              <a:rPr lang="ru-RU" dirty="0" smtClean="0"/>
+            </a:br>
+            <a:r>
+              <a:rPr lang="ru-RU" dirty="0" smtClean="0"/>
               <a:t/>
             </a:r>
             <a:br>
-              <a:rPr lang="en-US" dirty="0" smtClean="0"/>
+              <a:rPr lang="ru-RU" dirty="0" smtClean="0"/>
             </a:br>
-            <a:r>
-              <a:rPr lang="ru-RU" dirty="0" smtClean="0"/>
-              <a:t>и</a:t>
-            </a:r>
-            <a:br>
-              <a:rPr lang="ru-RU" dirty="0" smtClean="0"/>
-            </a:br>
-            <a:r>
-              <a:rPr lang="ru-RU" dirty="0" smtClean="0"/>
-              <a:t>способы их создания</a:t>
-            </a:r>
             <a:endParaRPr lang="en-US" dirty="0"/>
           </a:p>
         </p:txBody>
@@ -4315,12 +4329,12 @@
           <a:lstStyle/>
           <a:p>
             <a:r>
-              <a:rPr lang="en-US" dirty="0" err="1" smtClean="0"/>
-              <a:t>Bot</a:t>
-            </a:r>
-            <a:r>
-              <a:rPr lang="en-US" dirty="0" smtClean="0"/>
-              <a:t> Framework</a:t>
+              <a:rPr lang="en-US" dirty="0" smtClean="0"/>
+              <a:t>Bot </a:t>
+            </a:r>
+            <a:r>
+              <a:rPr lang="en-US" dirty="0" smtClean="0"/>
+              <a:t>Framework</a:t>
             </a:r>
             <a:endParaRPr lang="en-US" dirty="0"/>
           </a:p>
@@ -4335,7 +4349,7 @@
         <p:spPr>
           <a:xfrm>
             <a:off x="457200" y="1600200"/>
-            <a:ext cx="3124200" cy="4801314"/>
+            <a:ext cx="8077200" cy="2739211"/>
           </a:xfrm>
           <a:prstGeom prst="rect">
             <a:avLst/>
@@ -4349,84 +4363,26 @@
           <a:p>
             <a:r>
               <a:rPr lang="ru-RU" dirty="0" smtClean="0"/>
-              <a:t>1.</a:t>
-            </a:r>
-          </a:p>
-          <a:p>
-            <a:r>
-              <a:rPr lang="en-US" dirty="0" err="1" smtClean="0"/>
-              <a:t>Bot</a:t>
-            </a:r>
-            <a:r>
-              <a:rPr lang="en-US" dirty="0" smtClean="0"/>
-              <a:t> Builder SDK for .NET</a:t>
-            </a:r>
-          </a:p>
-          <a:p>
-            <a:r>
-              <a:rPr lang="en-US" dirty="0" smtClean="0"/>
-              <a:t>(</a:t>
-            </a:r>
-            <a:r>
-              <a:rPr lang="en-US" dirty="0" err="1" smtClean="0"/>
-              <a:t>nuget</a:t>
-            </a:r>
-            <a:r>
-              <a:rPr lang="ru-RU" dirty="0" smtClean="0"/>
-              <a:t>-пакет </a:t>
-            </a:r>
-            <a:r>
-              <a:rPr lang="en-US" dirty="0" err="1" smtClean="0"/>
-              <a:t>Microsoft.Bot.Builder</a:t>
-            </a:r>
-            <a:r>
-              <a:rPr lang="ru-RU" dirty="0" smtClean="0"/>
-              <a:t>)</a:t>
-            </a:r>
-          </a:p>
-          <a:p>
-            <a:endParaRPr lang="ru-RU" dirty="0" smtClean="0"/>
-          </a:p>
-          <a:p>
-            <a:endParaRPr lang="ru-RU" dirty="0" smtClean="0"/>
-          </a:p>
-          <a:p>
-            <a:endParaRPr lang="en-US" dirty="0" smtClean="0"/>
-          </a:p>
-          <a:p>
-            <a:r>
-              <a:rPr lang="ru-RU" dirty="0" smtClean="0"/>
-              <a:t>2.</a:t>
-            </a:r>
-          </a:p>
-          <a:p>
-            <a:r>
-              <a:rPr lang="en-US" dirty="0" err="1" smtClean="0"/>
-              <a:t>BotFramework</a:t>
-            </a:r>
-            <a:r>
-              <a:rPr lang="en-US" dirty="0" smtClean="0"/>
-              <a:t>-Emulator</a:t>
-            </a:r>
-            <a:endParaRPr lang="ru-RU" dirty="0" smtClean="0"/>
+              <a:t>Документация</a:t>
+            </a:r>
           </a:p>
           <a:p>
             <a:r>
               <a:rPr lang="en-US" dirty="0" smtClean="0">
                 <a:hlinkClick r:id="rId2"/>
               </a:rPr>
-              <a:t>https://github.com/Microsoft/BotFramework-Emulator</a:t>
+              <a:t>https://</a:t>
+            </a:r>
+            <a:r>
+              <a:rPr lang="en-US" dirty="0" smtClean="0">
+                <a:hlinkClick r:id="rId2"/>
+              </a:rPr>
+              <a:t>docs.microsoft.com/en-us/bot-framework/overview-introduction-bot-framework</a:t>
             </a:r>
             <a:endParaRPr lang="en-US" dirty="0" smtClean="0"/>
           </a:p>
           <a:p>
             <a:endParaRPr lang="en-US" dirty="0" smtClean="0"/>
-          </a:p>
-          <a:p>
-            <a:r>
-              <a:rPr lang="en-US" dirty="0" smtClean="0"/>
-              <a:t>3.</a:t>
-            </a:r>
           </a:p>
           <a:p>
             <a:r>
@@ -4444,76 +4400,144 @@
             <a:endParaRPr lang="ru-RU" dirty="0" smtClean="0"/>
           </a:p>
           <a:p>
-            <a:endParaRPr lang="en-US" dirty="0" smtClean="0"/>
-          </a:p>
-        </p:txBody>
-      </p:sp>
-      <p:pic>
-        <p:nvPicPr>
-          <p:cNvPr id="1026" name="Picture 2"/>
-          <p:cNvPicPr>
-            <a:picLocks noChangeAspect="1" noChangeArrowheads="1"/>
-          </p:cNvPicPr>
+            <a:endParaRPr lang="ru-RU" sz="3200" dirty="0" smtClean="0"/>
+          </a:p>
+          <a:p>
+            <a:pPr algn="ctr"/>
+            <a:r>
+              <a:rPr lang="ru-RU" sz="3200" dirty="0" smtClean="0"/>
+              <a:t>Каналы</a:t>
+            </a:r>
+          </a:p>
+        </p:txBody>
+      </p:sp>
+      <p:sp>
+        <p:nvSpPr>
+          <p:cNvPr id="6" name="Rectangle 5"/>
+          <p:cNvSpPr/>
           <p:nvPr/>
-        </p:nvPicPr>
-        <p:blipFill>
-          <a:blip r:embed="rId4"/>
-          <a:srcRect/>
-          <a:stretch>
-            <a:fillRect/>
-          </a:stretch>
-        </p:blipFill>
-        <p:spPr bwMode="auto">
+        </p:nvSpPr>
+        <p:spPr>
           <a:xfrm>
-            <a:off x="3657600" y="1524000"/>
-            <a:ext cx="5238750" cy="2057400"/>
+            <a:off x="533400" y="4343400"/>
+            <a:ext cx="8077200" cy="923330"/>
           </a:xfrm>
           <a:prstGeom prst="rect">
             <a:avLst/>
           </a:prstGeom>
-          <a:noFill/>
-          <a:ln w="9525">
-            <a:noFill/>
-            <a:miter lim="800000"/>
-            <a:headEnd/>
-            <a:tailEnd/>
-          </a:ln>
-          <a:effectLst/>
         </p:spPr>
-      </p:pic>
-      <p:pic>
-        <p:nvPicPr>
-          <p:cNvPr id="1027" name="Picture 3"/>
-          <p:cNvPicPr>
-            <a:picLocks noChangeAspect="1" noChangeArrowheads="1"/>
-          </p:cNvPicPr>
-          <p:nvPr/>
-        </p:nvPicPr>
-        <p:blipFill>
-          <a:blip r:embed="rId5"/>
-          <a:srcRect/>
-          <a:stretch>
-            <a:fillRect/>
-          </a:stretch>
-        </p:blipFill>
-        <p:spPr bwMode="auto">
-          <a:xfrm>
-            <a:off x="3657600" y="3810000"/>
-            <a:ext cx="3495675" cy="2838450"/>
-          </a:xfrm>
-          <a:prstGeom prst="rect">
-            <a:avLst/>
-          </a:prstGeom>
-          <a:noFill/>
-          <a:ln w="9525">
-            <a:noFill/>
-            <a:miter lim="800000"/>
-            <a:headEnd/>
-            <a:tailEnd/>
-          </a:ln>
-          <a:effectLst/>
-        </p:spPr>
-      </p:pic>
+        <p:txBody>
+          <a:bodyPr wrap="square" numCol="5">
+            <a:spAutoFit/>
+          </a:bodyPr>
+          <a:lstStyle/>
+          <a:p>
+            <a:pPr algn="ctr"/>
+            <a:r>
+              <a:rPr lang="en-US" dirty="0" smtClean="0"/>
+              <a:t>Bing</a:t>
+            </a:r>
+            <a:endParaRPr lang="en-US" dirty="0" smtClean="0"/>
+          </a:p>
+          <a:p>
+            <a:pPr algn="ctr"/>
+            <a:r>
+              <a:rPr lang="en-US" dirty="0" err="1" smtClean="0"/>
+              <a:t>Cortana</a:t>
+            </a:r>
+            <a:endParaRPr lang="en-US" dirty="0" smtClean="0"/>
+          </a:p>
+          <a:p>
+            <a:pPr algn="ctr"/>
+            <a:r>
+              <a:rPr lang="en-US" dirty="0" smtClean="0"/>
+              <a:t>Email</a:t>
+            </a:r>
+          </a:p>
+          <a:p>
+            <a:pPr algn="ctr"/>
+            <a:r>
+              <a:rPr lang="en-US" dirty="0" err="1" smtClean="0"/>
+              <a:t>Facebook</a:t>
+            </a:r>
+            <a:endParaRPr lang="en-US" dirty="0" smtClean="0"/>
+          </a:p>
+          <a:p>
+            <a:pPr algn="ctr"/>
+            <a:r>
+              <a:rPr lang="en-US" dirty="0" err="1" smtClean="0"/>
+              <a:t>GroupMe</a:t>
+            </a:r>
+            <a:endParaRPr lang="en-US" dirty="0" smtClean="0"/>
+          </a:p>
+          <a:p>
+            <a:pPr algn="ctr"/>
+            <a:r>
+              <a:rPr lang="en-US" dirty="0" err="1" smtClean="0"/>
+              <a:t>Kik</a:t>
+            </a:r>
+            <a:endParaRPr lang="en-US" dirty="0" smtClean="0"/>
+          </a:p>
+          <a:p>
+            <a:pPr algn="ctr"/>
+            <a:r>
+              <a:rPr lang="en-US" dirty="0" smtClean="0"/>
+              <a:t>Skype</a:t>
+            </a:r>
+          </a:p>
+          <a:p>
+            <a:pPr algn="ctr"/>
+            <a:r>
+              <a:rPr lang="en-US" dirty="0" smtClean="0"/>
+              <a:t>Skype for Business</a:t>
+            </a:r>
+          </a:p>
+          <a:p>
+            <a:pPr algn="ctr"/>
+            <a:r>
+              <a:rPr lang="en-US" dirty="0" smtClean="0"/>
+              <a:t>Slack</a:t>
+            </a:r>
+          </a:p>
+          <a:p>
+            <a:pPr algn="ctr"/>
+            <a:r>
+              <a:rPr lang="en-US" dirty="0" smtClean="0"/>
+              <a:t>SMS</a:t>
+            </a:r>
+          </a:p>
+          <a:p>
+            <a:pPr algn="ctr"/>
+            <a:r>
+              <a:rPr lang="en-US" dirty="0" smtClean="0"/>
+              <a:t>Microsoft Teams</a:t>
+            </a:r>
+          </a:p>
+          <a:p>
+            <a:pPr algn="ctr"/>
+            <a:r>
+              <a:rPr lang="en-US" b="1" dirty="0" smtClean="0"/>
+              <a:t>Telegram</a:t>
+            </a:r>
+          </a:p>
+          <a:p>
+            <a:pPr algn="ctr"/>
+            <a:r>
+              <a:rPr lang="en-US" dirty="0" err="1" smtClean="0"/>
+              <a:t>WeChat</a:t>
+            </a:r>
+            <a:endParaRPr lang="en-US" dirty="0" smtClean="0"/>
+          </a:p>
+          <a:p>
+            <a:pPr algn="ctr"/>
+            <a:r>
+              <a:rPr lang="en-US" dirty="0" err="1" smtClean="0"/>
+              <a:t>WebChat</a:t>
+            </a:r>
+            <a:endParaRPr lang="en-US" dirty="0" smtClean="0"/>
+          </a:p>
+        </p:txBody>
+      </p:sp>
     </p:spTree>
   </p:cSld>
   <p:clrMapOvr>
@@ -4559,17 +4583,28 @@
         <p:spPr/>
         <p:txBody>
           <a:bodyPr>
-            <a:normAutofit/>
+            <a:normAutofit fontScale="90000"/>
           </a:bodyPr>
           <a:lstStyle/>
           <a:p>
             <a:r>
-              <a:rPr lang="en-US" dirty="0" err="1" smtClean="0"/>
-              <a:t>BotFramework</a:t>
-            </a:r>
-            <a:r>
-              <a:rPr lang="en-US" dirty="0" smtClean="0"/>
-              <a:t>-Emulator</a:t>
+              <a:rPr lang="en-US" dirty="0" smtClean="0"/>
+              <a:t>Bot </a:t>
+            </a:r>
+            <a:r>
+              <a:rPr lang="en-US" dirty="0" smtClean="0"/>
+              <a:t>Framework</a:t>
+            </a:r>
+            <a:r>
+              <a:rPr lang="ru-RU" dirty="0" smtClean="0"/>
+              <a:t/>
+            </a:r>
+            <a:br>
+              <a:rPr lang="ru-RU" dirty="0" smtClean="0"/>
+            </a:br>
+            <a:r>
+              <a:rPr lang="en-US" dirty="0" smtClean="0"/>
+              <a:t>SDK</a:t>
             </a:r>
             <a:endParaRPr lang="en-US" dirty="0"/>
           </a:p>
@@ -4577,7 +4612,7 @@
       </p:sp>
       <p:pic>
         <p:nvPicPr>
-          <p:cNvPr id="2052" name="Picture 4"/>
+          <p:cNvPr id="1026" name="Picture 2"/>
           <p:cNvPicPr>
             <a:picLocks noChangeAspect="1" noChangeArrowheads="1"/>
           </p:cNvPicPr>
@@ -4592,8 +4627,8 @@
         </p:blipFill>
         <p:spPr bwMode="auto">
           <a:xfrm>
-            <a:off x="1447800" y="1524000"/>
-            <a:ext cx="6248661" cy="4876800"/>
+            <a:off x="1676400" y="2209800"/>
+            <a:ext cx="5626806" cy="2209800"/>
           </a:xfrm>
           <a:prstGeom prst="rect">
             <a:avLst/>
@@ -4608,6 +4643,60 @@
           <a:effectLst/>
         </p:spPr>
       </p:pic>
+      <p:sp>
+        <p:nvSpPr>
+          <p:cNvPr id="6" name="Rectangle 5"/>
+          <p:cNvSpPr/>
+          <p:nvPr/>
+        </p:nvSpPr>
+        <p:spPr>
+          <a:xfrm>
+            <a:off x="457200" y="1600201"/>
+            <a:ext cx="8077200" cy="369332"/>
+          </a:xfrm>
+          <a:prstGeom prst="rect">
+            <a:avLst/>
+          </a:prstGeom>
+        </p:spPr>
+        <p:txBody>
+          <a:bodyPr wrap="square">
+            <a:spAutoFit/>
+          </a:bodyPr>
+          <a:lstStyle/>
+          <a:p>
+            <a:pPr algn="ctr"/>
+            <a:r>
+              <a:rPr lang="en-US" dirty="0" smtClean="0"/>
+              <a:t>Bot Builder SDK for .NET</a:t>
+            </a:r>
+            <a:r>
+              <a:rPr lang="ru-RU" dirty="0" smtClean="0"/>
+              <a:t> </a:t>
+            </a:r>
+            <a:r>
+              <a:rPr lang="en-US" dirty="0" smtClean="0"/>
+              <a:t>(</a:t>
+            </a:r>
+            <a:r>
+              <a:rPr lang="en-US" dirty="0" err="1" smtClean="0"/>
+              <a:t>nuget</a:t>
+            </a:r>
+            <a:r>
+              <a:rPr lang="ru-RU" dirty="0" smtClean="0"/>
+              <a:t>-пакет </a:t>
+            </a:r>
+            <a:r>
+              <a:rPr lang="en-US" dirty="0" err="1" smtClean="0"/>
+              <a:t>Microsoft.Bot.Builder</a:t>
+            </a:r>
+            <a:r>
+              <a:rPr lang="ru-RU" dirty="0" smtClean="0"/>
+              <a:t>)</a:t>
+            </a:r>
+            <a:endParaRPr lang="en-US" dirty="0" smtClean="0"/>
+          </a:p>
+        </p:txBody>
+      </p:sp>
     </p:spTree>
   </p:cSld>
   <p:clrMapOvr>
@@ -4658,34 +4747,108 @@
           <a:lstStyle/>
           <a:p>
             <a:r>
-              <a:rPr lang="en-US" dirty="0" err="1" smtClean="0"/>
+              <a:rPr lang="en-US" dirty="0" smtClean="0"/>
               <a:t>Bot</a:t>
             </a:r>
             <a:r>
-              <a:rPr lang="en-US" dirty="0" smtClean="0"/>
-              <a:t> Framework</a:t>
+              <a:rPr lang="ru-RU" dirty="0" smtClean="0"/>
+              <a:t> </a:t>
+            </a:r>
+            <a:r>
+              <a:rPr lang="en-US" dirty="0" smtClean="0"/>
+              <a:t>Framework</a:t>
+            </a:r>
+            <a:r>
+              <a:rPr lang="ru-RU" dirty="0" smtClean="0"/>
+              <a:t/>
             </a:r>
             <a:br>
-              <a:rPr lang="en-US" dirty="0" smtClean="0"/>
+              <a:rPr lang="ru-RU" dirty="0" smtClean="0"/>
             </a:br>
             <a:r>
-              <a:rPr lang="ru-RU" smtClean="0"/>
-              <a:t>Код контроллера</a:t>
+              <a:rPr lang="en-US" dirty="0" smtClean="0"/>
+              <a:t>Emulator</a:t>
             </a:r>
             <a:endParaRPr lang="en-US" dirty="0"/>
           </a:p>
         </p:txBody>
       </p:sp>
-      <p:sp>
-        <p:nvSpPr>
-          <p:cNvPr id="4" name="Rectangle 3"/>
+      <p:pic>
+        <p:nvPicPr>
+          <p:cNvPr id="2052" name="Picture 4"/>
+          <p:cNvPicPr>
+            <a:picLocks noChangeAspect="1" noChangeArrowheads="1"/>
+          </p:cNvPicPr>
+          <p:nvPr/>
+        </p:nvPicPr>
+        <p:blipFill>
+          <a:blip r:embed="rId2"/>
+          <a:srcRect/>
+          <a:stretch>
+            <a:fillRect/>
+          </a:stretch>
+        </p:blipFill>
+        <p:spPr bwMode="auto">
+          <a:xfrm>
+            <a:off x="3352800" y="2209800"/>
+            <a:ext cx="5565214" cy="4343400"/>
+          </a:xfrm>
+          <a:prstGeom prst="rect">
+            <a:avLst/>
+          </a:prstGeom>
+          <a:noFill/>
+          <a:ln w="9525">
+            <a:noFill/>
+            <a:miter lim="800000"/>
+            <a:headEnd/>
+            <a:tailEnd/>
+          </a:ln>
+          <a:effectLst/>
+        </p:spPr>
+      </p:pic>
+      <p:pic>
+        <p:nvPicPr>
+          <p:cNvPr id="4" name="Picture 3"/>
+          <p:cNvPicPr>
+            <a:picLocks noChangeAspect="1" noChangeArrowheads="1"/>
+          </p:cNvPicPr>
+          <p:nvPr/>
+        </p:nvPicPr>
+        <p:blipFill>
+          <a:blip r:embed="rId3"/>
+          <a:srcRect/>
+          <a:stretch>
+            <a:fillRect/>
+          </a:stretch>
+        </p:blipFill>
+        <p:spPr bwMode="auto">
+          <a:xfrm>
+            <a:off x="188082" y="2209799"/>
+            <a:ext cx="2950065" cy="2395421"/>
+          </a:xfrm>
+          <a:prstGeom prst="rect">
+            <a:avLst/>
+          </a:prstGeom>
+          <a:noFill/>
+          <a:ln w="9525">
+            <a:noFill/>
+            <a:miter lim="800000"/>
+            <a:headEnd/>
+            <a:tailEnd/>
+          </a:ln>
+          <a:effectLst/>
+        </p:spPr>
+      </p:pic>
+      <p:sp>
+        <p:nvSpPr>
+          <p:cNvPr id="6" name="Rectangle 5"/>
           <p:cNvSpPr/>
           <p:nvPr/>
         </p:nvSpPr>
         <p:spPr>
           <a:xfrm>
-            <a:off x="685800" y="1447800"/>
-            <a:ext cx="7772400" cy="4247317"/>
+            <a:off x="457200" y="1600201"/>
+            <a:ext cx="8077200" cy="369332"/>
           </a:xfrm>
           <a:prstGeom prst="rect">
             <a:avLst/>
@@ -4697,212 +4860,20 @@
           </a:bodyPr>
           <a:lstStyle/>
           <a:p>
-            <a:r>
-              <a:rPr lang="ru-RU" dirty="0" smtClean="0"/>
-              <a:t>    </a:t>
-            </a:r>
-            <a:r>
-              <a:rPr lang="en-US" dirty="0" smtClean="0"/>
-              <a:t>[</a:t>
-            </a:r>
-            <a:r>
-              <a:rPr lang="en-US" dirty="0" smtClean="0"/>
-              <a:t>Route("</a:t>
-            </a:r>
-            <a:r>
-              <a:rPr lang="en-US" dirty="0" err="1" smtClean="0"/>
-              <a:t>api</a:t>
-            </a:r>
-            <a:r>
-              <a:rPr lang="en-US" dirty="0" smtClean="0"/>
-              <a:t>/[controller]")]</a:t>
-            </a:r>
-          </a:p>
-          <a:p>
-            <a:r>
-              <a:rPr lang="en-US" dirty="0" smtClean="0"/>
-              <a:t>    [</a:t>
-            </a:r>
-            <a:r>
-              <a:rPr lang="en-US" dirty="0" err="1" smtClean="0"/>
-              <a:t>BotAuthentication</a:t>
-            </a:r>
-            <a:r>
-              <a:rPr lang="en-US" dirty="0" smtClean="0"/>
-              <a:t>]</a:t>
-            </a:r>
-          </a:p>
-          <a:p>
-            <a:r>
-              <a:rPr lang="en-US" dirty="0" smtClean="0"/>
-              <a:t>    public class </a:t>
-            </a:r>
-            <a:r>
-              <a:rPr lang="en-US" dirty="0" err="1" smtClean="0"/>
-              <a:t>MessagesController</a:t>
-            </a:r>
-            <a:r>
-              <a:rPr lang="en-US" dirty="0" smtClean="0"/>
-              <a:t> : Controller</a:t>
-            </a:r>
-          </a:p>
-          <a:p>
-            <a:r>
-              <a:rPr lang="en-US" dirty="0" smtClean="0"/>
-              <a:t>    </a:t>
-            </a:r>
-            <a:r>
-              <a:rPr lang="en-US" dirty="0" smtClean="0"/>
-              <a:t>{</a:t>
-            </a:r>
-          </a:p>
-          <a:p>
-            <a:r>
-              <a:rPr lang="en-US" dirty="0" smtClean="0"/>
-              <a:t>        [</a:t>
-            </a:r>
-            <a:r>
-              <a:rPr lang="en-US" dirty="0" err="1" smtClean="0"/>
-              <a:t>HttpPost</a:t>
-            </a:r>
-            <a:r>
-              <a:rPr lang="en-US" dirty="0" smtClean="0"/>
-              <a:t>]</a:t>
-            </a:r>
-          </a:p>
-          <a:p>
-            <a:r>
-              <a:rPr lang="en-US" dirty="0" smtClean="0"/>
-              <a:t>        </a:t>
-            </a:r>
-            <a:r>
-              <a:rPr lang="en-US" dirty="0" smtClean="0"/>
-              <a:t>public </a:t>
-            </a:r>
-            <a:r>
-              <a:rPr lang="en-US" dirty="0" err="1" smtClean="0"/>
-              <a:t>async</a:t>
-            </a:r>
-            <a:r>
-              <a:rPr lang="en-US" dirty="0" smtClean="0"/>
-              <a:t> Task&lt;</a:t>
-            </a:r>
-            <a:r>
-              <a:rPr lang="en-US" dirty="0" err="1" smtClean="0"/>
-              <a:t>HttpResponseMessage</a:t>
-            </a:r>
-            <a:r>
-              <a:rPr lang="en-US" dirty="0" smtClean="0"/>
-              <a:t>&gt; Post([</a:t>
-            </a:r>
-            <a:r>
-              <a:rPr lang="en-US" dirty="0" err="1" smtClean="0"/>
-              <a:t>FromBody</a:t>
-            </a:r>
-            <a:r>
-              <a:rPr lang="en-US" dirty="0" smtClean="0"/>
-              <a:t>]Activity </a:t>
-            </a:r>
-            <a:r>
-              <a:rPr lang="en-US" dirty="0" err="1" smtClean="0"/>
-              <a:t>activity</a:t>
-            </a:r>
-            <a:r>
-              <a:rPr lang="en-US" dirty="0" smtClean="0"/>
-              <a:t>)</a:t>
-            </a:r>
-          </a:p>
-          <a:p>
-            <a:r>
-              <a:rPr lang="en-US" dirty="0" smtClean="0"/>
-              <a:t>        {</a:t>
-            </a:r>
-          </a:p>
-          <a:p>
-            <a:r>
-              <a:rPr lang="en-US" dirty="0" smtClean="0"/>
-              <a:t>            if (activity?.Type == </a:t>
-            </a:r>
-            <a:r>
-              <a:rPr lang="en-US" dirty="0" err="1" smtClean="0"/>
-              <a:t>ActivityTypes.Message</a:t>
-            </a:r>
-            <a:r>
-              <a:rPr lang="en-US" dirty="0" smtClean="0"/>
-              <a:t>)</a:t>
-            </a:r>
-          </a:p>
-          <a:p>
-            <a:r>
-              <a:rPr lang="en-US" dirty="0" smtClean="0"/>
-              <a:t>            {</a:t>
-            </a:r>
-          </a:p>
-          <a:p>
-            <a:r>
-              <a:rPr lang="en-US" dirty="0" smtClean="0"/>
-              <a:t>                await </a:t>
-            </a:r>
-            <a:r>
-              <a:rPr lang="en-US" dirty="0" err="1" smtClean="0"/>
-              <a:t>Conversation.SendAsync</a:t>
-            </a:r>
-            <a:r>
-              <a:rPr lang="en-US" dirty="0" smtClean="0"/>
-              <a:t>(activity, () =&gt; new </a:t>
-            </a:r>
-            <a:r>
-              <a:rPr lang="en-US" dirty="0" err="1" smtClean="0"/>
-              <a:t>Dialogs.RootDialog</a:t>
-            </a:r>
-            <a:r>
-              <a:rPr lang="en-US" dirty="0" smtClean="0"/>
-              <a:t>());</a:t>
-            </a:r>
-          </a:p>
-          <a:p>
-            <a:r>
-              <a:rPr lang="en-US" dirty="0" smtClean="0"/>
-              <a:t>            }</a:t>
-            </a:r>
-          </a:p>
-          <a:p>
+            <a:pPr algn="ctr"/>
+            <a:r>
+              <a:rPr lang="en-US" dirty="0" smtClean="0">
+                <a:hlinkClick r:id="rId4"/>
+              </a:rPr>
+              <a:t>https</a:t>
+            </a:r>
+            <a:r>
+              <a:rPr lang="en-US" dirty="0" smtClean="0">
+                <a:hlinkClick r:id="rId4"/>
+              </a:rPr>
+              <a:t>://github.com/Microsoft/BotFramework-Emulator</a:t>
+            </a:r>
             <a:endParaRPr lang="en-US" dirty="0" smtClean="0"/>
-          </a:p>
-          <a:p>
-            <a:r>
-              <a:rPr lang="en-US" dirty="0" smtClean="0"/>
-              <a:t>            return new </a:t>
-            </a:r>
-            <a:r>
-              <a:rPr lang="en-US" dirty="0" err="1" smtClean="0"/>
-              <a:t>HttpResponseMessage</a:t>
-            </a:r>
-            <a:r>
-              <a:rPr lang="en-US" dirty="0" smtClean="0"/>
-              <a:t>(</a:t>
-            </a:r>
-            <a:r>
-              <a:rPr lang="en-US" dirty="0" err="1" smtClean="0"/>
-              <a:t>HttpStatusCode.OK</a:t>
-            </a:r>
-            <a:r>
-              <a:rPr lang="en-US" dirty="0" smtClean="0"/>
-              <a:t>);</a:t>
-            </a:r>
-          </a:p>
-          <a:p>
-            <a:r>
-              <a:rPr lang="en-US" dirty="0" smtClean="0"/>
-              <a:t>        }        </a:t>
-            </a:r>
-          </a:p>
-          <a:p>
-            <a:r>
-              <a:rPr lang="en-US" dirty="0" smtClean="0"/>
-              <a:t>    }</a:t>
-            </a:r>
-            <a:endParaRPr lang="en-US" dirty="0"/>
           </a:p>
         </p:txBody>
       </p:sp>
@@ -4956,23 +4927,27 @@
           <a:lstStyle/>
           <a:p>
             <a:r>
-              <a:rPr lang="en-US" dirty="0" err="1" smtClean="0"/>
-              <a:t>Bot</a:t>
-            </a:r>
-            <a:r>
-              <a:rPr lang="en-US" dirty="0" smtClean="0"/>
-              <a:t> Framework</a:t>
-            </a:r>
-            <a:r>
-              <a:rPr lang="en-US" dirty="0" smtClean="0"/>
-              <a:t/>
+              <a:rPr lang="en-US" dirty="0" smtClean="0"/>
+              <a:t>Bot Framework</a:t>
             </a:r>
             <a:br>
               <a:rPr lang="en-US" dirty="0" smtClean="0"/>
             </a:br>
             <a:r>
               <a:rPr lang="ru-RU" dirty="0" smtClean="0"/>
-              <a:t>Обработка сообщений</a:t>
+              <a:t>Код контроллера</a:t>
+            </a:r>
+            <a:r>
+              <a:rPr lang="en-US" dirty="0" smtClean="0"/>
+              <a:t> </a:t>
+            </a:r>
+            <a:r>
+              <a:rPr lang="ru-RU" dirty="0" smtClean="0"/>
+              <a:t>и </a:t>
+            </a:r>
+            <a:r>
+              <a:rPr lang="en-US" dirty="0" smtClean="0"/>
+              <a:t>Activity</a:t>
             </a:r>
             <a:endParaRPr lang="en-US" dirty="0"/>
           </a:p>
@@ -4987,7 +4962,7 @@
         <p:spPr>
           <a:xfrm>
             <a:off x="685800" y="1447800"/>
-            <a:ext cx="7772400" cy="4801314"/>
+            <a:ext cx="7772400" cy="4247317"/>
           </a:xfrm>
           <a:prstGeom prst="rect">
             <a:avLst/>
@@ -5000,12 +4975,30 @@
           <a:lstStyle/>
           <a:p>
             <a:r>
-              <a:rPr lang="en-US" dirty="0" smtClean="0"/>
-              <a:t>[</a:t>
-            </a:r>
-            <a:r>
-              <a:rPr lang="en-US" dirty="0" err="1" smtClean="0"/>
-              <a:t>Serializable</a:t>
+              <a:rPr lang="ru-RU" dirty="0" smtClean="0"/>
+              <a:t>    </a:t>
+            </a:r>
+            <a:r>
+              <a:rPr lang="en-US" dirty="0" smtClean="0"/>
+              <a:t>[Route("</a:t>
+            </a:r>
+            <a:r>
+              <a:rPr lang="en-US" dirty="0" err="1" smtClean="0"/>
+              <a:t>api</a:t>
+            </a:r>
+            <a:r>
+              <a:rPr lang="en-US" dirty="0" smtClean="0"/>
+              <a:t>/[controller]")]</a:t>
+            </a:r>
+          </a:p>
+          <a:p>
+            <a:r>
+              <a:rPr lang="en-US" dirty="0" smtClean="0"/>
+              <a:t>    [</a:t>
+            </a:r>
+            <a:r>
+              <a:rPr lang="en-US" dirty="0" err="1" smtClean="0"/>
+              <a:t>BotAuthentication</a:t>
             </a:r>
             <a:r>
               <a:rPr lang="en-US" dirty="0" smtClean="0"/>
@@ -5015,48 +5008,140 @@
           <a:p>
             <a:r>
               <a:rPr lang="en-US" dirty="0" smtClean="0"/>
-              <a:t>public </a:t>
-            </a:r>
-            <a:r>
-              <a:rPr lang="en-US" dirty="0" smtClean="0"/>
-              <a:t>class </a:t>
-            </a:r>
-            <a:r>
-              <a:rPr lang="en-US" dirty="0" err="1" smtClean="0"/>
-              <a:t>RootDialog</a:t>
-            </a:r>
-            <a:r>
-              <a:rPr lang="en-US" dirty="0" smtClean="0"/>
-              <a:t> : </a:t>
-            </a:r>
-            <a:r>
-              <a:rPr lang="en-US" dirty="0" err="1" smtClean="0"/>
-              <a:t>IDialog</a:t>
-            </a:r>
-            <a:r>
-              <a:rPr lang="en-US" dirty="0" smtClean="0"/>
-              <a:t>&lt;object&gt;</a:t>
-            </a:r>
-          </a:p>
-          <a:p>
-            <a:r>
-              <a:rPr lang="en-US" dirty="0" smtClean="0"/>
-              <a:t>{</a:t>
-            </a:r>
+              <a:t>    public class </a:t>
+            </a:r>
+            <a:r>
+              <a:rPr lang="en-US" dirty="0" err="1" smtClean="0"/>
+              <a:t>MessagesController</a:t>
+            </a:r>
+            <a:r>
+              <a:rPr lang="en-US" dirty="0" smtClean="0"/>
+              <a:t> : Controller</a:t>
+            </a:r>
+          </a:p>
+          <a:p>
+            <a:r>
+              <a:rPr lang="en-US" dirty="0" smtClean="0"/>
+              <a:t>    {</a:t>
+            </a:r>
+          </a:p>
+          <a:p>
+            <a:r>
+              <a:rPr lang="en-US" dirty="0" smtClean="0"/>
+              <a:t>        [</a:t>
+            </a:r>
+            <a:r>
+              <a:rPr lang="en-US" dirty="0" err="1" smtClean="0"/>
+              <a:t>HttpPost</a:t>
+            </a:r>
+            <a:r>
+              <a:rPr lang="en-US" dirty="0" smtClean="0"/>
+              <a:t>]</a:t>
+            </a:r>
+          </a:p>
+          <a:p>
+            <a:r>
+              <a:rPr lang="en-US" dirty="0" smtClean="0"/>
+              <a:t>        public </a:t>
+            </a:r>
+            <a:r>
+              <a:rPr lang="en-US" dirty="0" err="1" smtClean="0"/>
+              <a:t>async</a:t>
+            </a:r>
+            <a:r>
+              <a:rPr lang="en-US" dirty="0" smtClean="0"/>
+              <a:t> Task&lt;</a:t>
+            </a:r>
+            <a:r>
+              <a:rPr lang="en-US" dirty="0" err="1" smtClean="0"/>
+              <a:t>HttpResponseMessage</a:t>
+            </a:r>
+            <a:r>
+              <a:rPr lang="en-US" dirty="0" smtClean="0"/>
+              <a:t>&gt; Post([</a:t>
+            </a:r>
+            <a:r>
+              <a:rPr lang="en-US" dirty="0" err="1" smtClean="0"/>
+              <a:t>FromBody</a:t>
+            </a:r>
+            <a:r>
+              <a:rPr lang="en-US" dirty="0" smtClean="0"/>
+              <a:t>]Activity </a:t>
+            </a:r>
+            <a:r>
+              <a:rPr lang="en-US" dirty="0" err="1" smtClean="0"/>
+              <a:t>activity</a:t>
+            </a:r>
+            <a:r>
+              <a:rPr lang="en-US" dirty="0" smtClean="0"/>
+              <a:t>)</a:t>
+            </a:r>
+          </a:p>
+          <a:p>
+            <a:r>
+              <a:rPr lang="en-US" dirty="0" smtClean="0"/>
+              <a:t>        {</a:t>
+            </a:r>
+          </a:p>
+          <a:p>
+            <a:r>
+              <a:rPr lang="en-US" dirty="0" smtClean="0"/>
+              <a:t>            if (activity?.Type == </a:t>
+            </a:r>
+            <a:r>
+              <a:rPr lang="en-US" dirty="0" err="1" smtClean="0"/>
+              <a:t>ActivityTypes.Message</a:t>
+            </a:r>
+            <a:r>
+              <a:rPr lang="en-US" dirty="0" smtClean="0"/>
+              <a:t>)</a:t>
+            </a:r>
+          </a:p>
+          <a:p>
+            <a:r>
+              <a:rPr lang="en-US" dirty="0" smtClean="0"/>
+              <a:t>            {</a:t>
+            </a:r>
+          </a:p>
+          <a:p>
+            <a:r>
+              <a:rPr lang="en-US" dirty="0" smtClean="0"/>
+              <a:t>                await </a:t>
+            </a:r>
+            <a:r>
+              <a:rPr lang="en-US" dirty="0" err="1" smtClean="0"/>
+              <a:t>Conversation.SendAsync</a:t>
+            </a:r>
+            <a:r>
+              <a:rPr lang="en-US" dirty="0" smtClean="0"/>
+              <a:t>(activity, () =&gt; new </a:t>
+            </a:r>
+            <a:r>
+              <a:rPr lang="en-US" dirty="0" err="1" smtClean="0"/>
+              <a:t>Dialogs.RootDialog</a:t>
+            </a:r>
+            <a:r>
+              <a:rPr lang="en-US" dirty="0" smtClean="0"/>
+              <a:t>());</a:t>
+            </a:r>
+          </a:p>
+          <a:p>
+            <a:r>
+              <a:rPr lang="en-US" dirty="0" smtClean="0"/>
+              <a:t>            }</a:t>
+            </a:r>
+          </a:p>
+          <a:p>
             <a:endParaRPr lang="en-US" dirty="0" smtClean="0"/>
           </a:p>
           <a:p>
             <a:r>
               <a:rPr lang="en-US" dirty="0" smtClean="0"/>
-              <a:t>	public </a:t>
-            </a:r>
-            <a:r>
-              <a:rPr lang="en-US" dirty="0" smtClean="0"/>
-              <a:t>Task </a:t>
-            </a:r>
-            <a:r>
-              <a:rPr lang="en-US" dirty="0" err="1" smtClean="0"/>
-              <a:t>StartAsync</a:t>
+              <a:t>            return new </a:t>
+            </a:r>
+            <a:r>
+              <a:rPr lang="en-US" dirty="0" err="1" smtClean="0"/>
+              <a:t>HttpResponseMessage</a:t>
             </a:r>
             <a:r>
               <a:rPr lang="en-US" dirty="0" smtClean="0"/>
@@ -5064,191 +5149,23 @@
             </a:r>
             <a:r>
               <a:rPr lang="en-US" dirty="0" err="1" smtClean="0"/>
-              <a:t>IDialogContext</a:t>
-            </a:r>
-            <a:r>
-              <a:rPr lang="en-US" dirty="0" smtClean="0"/>
-              <a:t> context)</a:t>
-            </a:r>
-          </a:p>
-          <a:p>
-            <a:r>
-              <a:rPr lang="en-US" dirty="0" smtClean="0"/>
-              <a:t>	{</a:t>
-            </a:r>
-            <a:endParaRPr lang="en-US" dirty="0" smtClean="0"/>
-          </a:p>
-          <a:p>
-            <a:r>
-              <a:rPr lang="en-US" dirty="0" smtClean="0"/>
-              <a:t>		</a:t>
-            </a:r>
-            <a:r>
-              <a:rPr lang="en-US" dirty="0" err="1" smtClean="0"/>
-              <a:t>context.Wait</a:t>
-            </a:r>
-            <a:r>
-              <a:rPr lang="en-US" dirty="0" smtClean="0"/>
-              <a:t>(</a:t>
-            </a:r>
-            <a:r>
-              <a:rPr lang="en-US" dirty="0" err="1" smtClean="0"/>
-              <a:t>MessageReceivedAsync</a:t>
+              <a:t>HttpStatusCode.OK</a:t>
             </a:r>
             <a:r>
               <a:rPr lang="en-US" dirty="0" smtClean="0"/>
               <a:t>);</a:t>
             </a:r>
-            <a:endParaRPr lang="en-US" dirty="0" smtClean="0"/>
-          </a:p>
-          <a:p>
-            <a:r>
-              <a:rPr lang="en-US" dirty="0" smtClean="0"/>
-              <a:t>		return </a:t>
-            </a:r>
-            <a:r>
-              <a:rPr lang="en-US" dirty="0" err="1" smtClean="0"/>
-              <a:t>Task.CompletedTask</a:t>
-            </a:r>
-            <a:r>
-              <a:rPr lang="en-US" dirty="0" smtClean="0"/>
-              <a:t>;</a:t>
-            </a:r>
-          </a:p>
-          <a:p>
-            <a:r>
-              <a:rPr lang="en-US" dirty="0" smtClean="0"/>
-              <a:t>	}</a:t>
-            </a:r>
-            <a:endParaRPr lang="en-US" dirty="0" smtClean="0"/>
-          </a:p>
-          <a:p>
-            <a:endParaRPr lang="en-US" dirty="0" smtClean="0"/>
-          </a:p>
-          <a:p>
-            <a:r>
-              <a:rPr lang="en-US" dirty="0" smtClean="0"/>
-              <a:t>	private </a:t>
-            </a:r>
-            <a:r>
-              <a:rPr lang="en-US" dirty="0" err="1" smtClean="0"/>
-              <a:t>async</a:t>
-            </a:r>
-            <a:r>
-              <a:rPr lang="en-US" dirty="0" smtClean="0"/>
-              <a:t> Task </a:t>
-            </a:r>
-            <a:r>
-              <a:rPr lang="en-US" dirty="0" err="1" smtClean="0"/>
-              <a:t>MessageReceivedAsync</a:t>
-            </a:r>
-            <a:r>
-              <a:rPr lang="en-US" dirty="0" smtClean="0"/>
-              <a:t>(</a:t>
-            </a:r>
-            <a:r>
-              <a:rPr lang="en-US" dirty="0" err="1" smtClean="0"/>
-              <a:t>IDialogContext</a:t>
-            </a:r>
-            <a:r>
-              <a:rPr lang="en-US" dirty="0" smtClean="0"/>
-              <a:t> context, </a:t>
-            </a:r>
-            <a:r>
-              <a:rPr lang="en-US" dirty="0" err="1" smtClean="0"/>
-              <a:t>IAwaitable</a:t>
-            </a:r>
-            <a:r>
-              <a:rPr lang="en-US" dirty="0" smtClean="0"/>
-              <a:t>&lt;object&gt; result)</a:t>
-            </a:r>
-          </a:p>
-          <a:p>
-            <a:r>
-              <a:rPr lang="en-US" dirty="0" smtClean="0"/>
-              <a:t>	{</a:t>
-            </a:r>
-            <a:endParaRPr lang="en-US" dirty="0" smtClean="0"/>
-          </a:p>
-          <a:p>
-            <a:r>
-              <a:rPr lang="en-US" dirty="0" smtClean="0"/>
-              <a:t>		</a:t>
-            </a:r>
-            <a:r>
-              <a:rPr lang="en-US" dirty="0" err="1" smtClean="0"/>
-              <a:t>var</a:t>
-            </a:r>
-            <a:r>
-              <a:rPr lang="en-US" dirty="0" smtClean="0"/>
-              <a:t> </a:t>
-            </a:r>
-            <a:r>
-              <a:rPr lang="en-US" dirty="0" smtClean="0"/>
-              <a:t>activity = await result as Activity</a:t>
-            </a:r>
-            <a:r>
-              <a:rPr lang="en-US" dirty="0" smtClean="0"/>
-              <a:t>;</a:t>
-            </a:r>
-            <a:endParaRPr lang="en-US" dirty="0" smtClean="0"/>
-          </a:p>
-          <a:p>
-            <a:r>
-              <a:rPr lang="en-US" dirty="0" smtClean="0"/>
-              <a:t>		await </a:t>
-            </a:r>
-            <a:r>
-              <a:rPr lang="en-US" dirty="0" err="1" smtClean="0"/>
-              <a:t>context.PostAsync</a:t>
-            </a:r>
-            <a:r>
-              <a:rPr lang="en-US" dirty="0" smtClean="0"/>
-              <a:t>(</a:t>
-            </a:r>
-            <a:r>
-              <a:rPr lang="en-US" dirty="0" err="1" smtClean="0"/>
-              <a:t>activity.Text</a:t>
-            </a:r>
-            <a:r>
-              <a:rPr lang="en-US" dirty="0" smtClean="0"/>
-              <a:t>);</a:t>
-            </a:r>
-            <a:endParaRPr lang="en-US" dirty="0" smtClean="0"/>
-          </a:p>
-          <a:p>
-            <a:r>
-              <a:rPr lang="en-US" dirty="0" smtClean="0"/>
-              <a:t>		</a:t>
-            </a:r>
-            <a:r>
-              <a:rPr lang="en-US" dirty="0" err="1" smtClean="0"/>
-              <a:t>context.Wait</a:t>
-            </a:r>
-            <a:r>
-              <a:rPr lang="en-US" dirty="0" smtClean="0"/>
-              <a:t>(</a:t>
-            </a:r>
-            <a:r>
-              <a:rPr lang="en-US" dirty="0" err="1" smtClean="0"/>
-              <a:t>MessageReceivedAsync</a:t>
-            </a:r>
-            <a:r>
-              <a:rPr lang="en-US" dirty="0" smtClean="0"/>
-              <a:t>);</a:t>
-            </a:r>
-          </a:p>
-          <a:p>
-            <a:r>
-              <a:rPr lang="en-US" dirty="0" smtClean="0"/>
-              <a:t>	}</a:t>
-            </a:r>
-            <a:endParaRPr lang="en-US" dirty="0" smtClean="0"/>
-          </a:p>
-          <a:p>
-            <a:r>
-              <a:rPr lang="en-US" dirty="0" smtClean="0"/>
-              <a:t>}</a:t>
+          </a:p>
+          <a:p>
+            <a:r>
+              <a:rPr lang="en-US" dirty="0" smtClean="0"/>
+              <a:t>        }        </a:t>
+            </a:r>
+          </a:p>
+          <a:p>
+            <a:r>
+              <a:rPr lang="en-US" dirty="0" smtClean="0"/>
+              <a:t>    }</a:t>
             </a:r>
             <a:endParaRPr lang="en-US" dirty="0"/>
           </a:p>
@@ -5299,13 +5216,28 @@
         <p:spPr/>
         <p:txBody>
           <a:bodyPr>
-            <a:normAutofit/>
+            <a:normAutofit fontScale="90000"/>
           </a:bodyPr>
           <a:lstStyle/>
           <a:p>
             <a:r>
-              <a:rPr lang="ru-RU" dirty="0" smtClean="0"/>
-              <a:t>Ссылки</a:t>
+              <a:rPr lang="en-US" dirty="0" smtClean="0"/>
+              <a:t>Bot Framework</a:t>
+            </a:r>
+            <a:br>
+              <a:rPr lang="en-US" dirty="0" smtClean="0"/>
+            </a:br>
+            <a:r>
+              <a:rPr lang="ru-RU" dirty="0" smtClean="0"/>
+              <a:t>Обработка </a:t>
+            </a:r>
+            <a:r>
+              <a:rPr lang="ru-RU" dirty="0" smtClean="0"/>
+              <a:t>сообщений</a:t>
+            </a:r>
+            <a:r>
+              <a:rPr lang="en-US" dirty="0" smtClean="0"/>
+              <a:t> (Dialog)</a:t>
             </a:r>
             <a:endParaRPr lang="en-US" dirty="0"/>
           </a:p>
@@ -5320,7 +5252,7 @@
         <p:spPr>
           <a:xfrm>
             <a:off x="685800" y="1447800"/>
-            <a:ext cx="7772400" cy="4524315"/>
+            <a:ext cx="7772400" cy="4801314"/>
           </a:xfrm>
           <a:prstGeom prst="rect">
             <a:avLst/>
@@ -5333,6 +5265,329 @@
           <a:lstStyle/>
           <a:p>
             <a:r>
+              <a:rPr lang="en-US" dirty="0" smtClean="0"/>
+              <a:t>[</a:t>
+            </a:r>
+            <a:r>
+              <a:rPr lang="en-US" dirty="0" err="1" smtClean="0"/>
+              <a:t>Serializable</a:t>
+            </a:r>
+            <a:r>
+              <a:rPr lang="en-US" dirty="0" smtClean="0"/>
+              <a:t>]</a:t>
+            </a:r>
+          </a:p>
+          <a:p>
+            <a:r>
+              <a:rPr lang="en-US" dirty="0" smtClean="0"/>
+              <a:t>public class </a:t>
+            </a:r>
+            <a:r>
+              <a:rPr lang="en-US" dirty="0" err="1" smtClean="0"/>
+              <a:t>RootDialog</a:t>
+            </a:r>
+            <a:r>
+              <a:rPr lang="en-US" dirty="0" smtClean="0"/>
+              <a:t> : </a:t>
+            </a:r>
+            <a:r>
+              <a:rPr lang="en-US" dirty="0" err="1" smtClean="0"/>
+              <a:t>IDialog</a:t>
+            </a:r>
+            <a:r>
+              <a:rPr lang="en-US" dirty="0" smtClean="0"/>
+              <a:t>&lt;object&gt;</a:t>
+            </a:r>
+          </a:p>
+          <a:p>
+            <a:r>
+              <a:rPr lang="en-US" dirty="0" smtClean="0"/>
+              <a:t>{</a:t>
+            </a:r>
+          </a:p>
+          <a:p>
+            <a:r>
+              <a:rPr lang="en-US" dirty="0" smtClean="0"/>
+              <a:t>	public Task </a:t>
+            </a:r>
+            <a:r>
+              <a:rPr lang="en-US" dirty="0" err="1" smtClean="0"/>
+              <a:t>StartAsync</a:t>
+            </a:r>
+            <a:r>
+              <a:rPr lang="en-US" dirty="0" smtClean="0"/>
+              <a:t>(</a:t>
+            </a:r>
+            <a:r>
+              <a:rPr lang="en-US" dirty="0" err="1" smtClean="0"/>
+              <a:t>IDialogContext</a:t>
+            </a:r>
+            <a:r>
+              <a:rPr lang="en-US" dirty="0" smtClean="0"/>
+              <a:t> context)</a:t>
+            </a:r>
+          </a:p>
+          <a:p>
+            <a:r>
+              <a:rPr lang="en-US" dirty="0" smtClean="0"/>
+              <a:t>	{</a:t>
+            </a:r>
+          </a:p>
+          <a:p>
+            <a:r>
+              <a:rPr lang="en-US" dirty="0" smtClean="0"/>
+              <a:t>		</a:t>
+            </a:r>
+            <a:r>
+              <a:rPr lang="en-US" dirty="0" err="1" smtClean="0"/>
+              <a:t>context.Wait</a:t>
+            </a:r>
+            <a:r>
+              <a:rPr lang="en-US" dirty="0" smtClean="0"/>
+              <a:t>(</a:t>
+            </a:r>
+            <a:r>
+              <a:rPr lang="en-US" dirty="0" err="1" smtClean="0"/>
+              <a:t>MessageReceivedAsync</a:t>
+            </a:r>
+            <a:r>
+              <a:rPr lang="en-US" dirty="0" smtClean="0"/>
+              <a:t>);</a:t>
+            </a:r>
+          </a:p>
+          <a:p>
+            <a:r>
+              <a:rPr lang="en-US" dirty="0" smtClean="0"/>
+              <a:t>		return </a:t>
+            </a:r>
+            <a:r>
+              <a:rPr lang="en-US" dirty="0" err="1" smtClean="0"/>
+              <a:t>Task.CompletedTask</a:t>
+            </a:r>
+            <a:r>
+              <a:rPr lang="en-US" dirty="0" smtClean="0"/>
+              <a:t>;</a:t>
+            </a:r>
+          </a:p>
+          <a:p>
+            <a:r>
+              <a:rPr lang="en-US" dirty="0" smtClean="0"/>
+              <a:t>	}</a:t>
+            </a:r>
+          </a:p>
+          <a:p>
+            <a:endParaRPr lang="en-US" dirty="0" smtClean="0"/>
+          </a:p>
+          <a:p>
+            <a:r>
+              <a:rPr lang="en-US" dirty="0" smtClean="0"/>
+              <a:t>	private </a:t>
+            </a:r>
+            <a:r>
+              <a:rPr lang="en-US" dirty="0" err="1" smtClean="0"/>
+              <a:t>async</a:t>
+            </a:r>
+            <a:r>
+              <a:rPr lang="en-US" dirty="0" smtClean="0"/>
+              <a:t> Task </a:t>
+            </a:r>
+            <a:r>
+              <a:rPr lang="en-US" dirty="0" err="1" smtClean="0"/>
+              <a:t>MessageReceivedAsync</a:t>
+            </a:r>
+            <a:r>
+              <a:rPr lang="en-US" dirty="0" smtClean="0"/>
+              <a:t>(</a:t>
+            </a:r>
+            <a:r>
+              <a:rPr lang="en-US" dirty="0" err="1" smtClean="0"/>
+              <a:t>IDialogContext</a:t>
+            </a:r>
+            <a:r>
+              <a:rPr lang="en-US" dirty="0" smtClean="0"/>
+              <a:t> context, </a:t>
+            </a:r>
+            <a:r>
+              <a:rPr lang="en-US" dirty="0" err="1" smtClean="0"/>
+              <a:t>IAwaitable</a:t>
+            </a:r>
+            <a:r>
+              <a:rPr lang="en-US" dirty="0" smtClean="0"/>
+              <a:t>&lt;object&gt; result)</a:t>
+            </a:r>
+          </a:p>
+          <a:p>
+            <a:r>
+              <a:rPr lang="en-US" dirty="0" smtClean="0"/>
+              <a:t>	{</a:t>
+            </a:r>
+          </a:p>
+          <a:p>
+            <a:r>
+              <a:rPr lang="en-US" dirty="0" smtClean="0"/>
+              <a:t>		</a:t>
+            </a:r>
+            <a:r>
+              <a:rPr lang="en-US" dirty="0" err="1" smtClean="0"/>
+              <a:t>var</a:t>
+            </a:r>
+            <a:r>
+              <a:rPr lang="en-US" dirty="0" smtClean="0"/>
+              <a:t> activity = await result as Activity;</a:t>
+            </a:r>
+          </a:p>
+          <a:p>
+            <a:r>
+              <a:rPr lang="en-US" dirty="0" smtClean="0"/>
+              <a:t>		await </a:t>
+            </a:r>
+            <a:r>
+              <a:rPr lang="en-US" dirty="0" err="1" smtClean="0"/>
+              <a:t>context.PostAsync</a:t>
+            </a:r>
+            <a:r>
+              <a:rPr lang="en-US" dirty="0" smtClean="0"/>
+              <a:t>(</a:t>
+            </a:r>
+            <a:r>
+              <a:rPr lang="en-US" dirty="0" err="1" smtClean="0"/>
+              <a:t>activity.Text</a:t>
+            </a:r>
+            <a:r>
+              <a:rPr lang="en-US" dirty="0" smtClean="0"/>
+              <a:t>);</a:t>
+            </a:r>
+          </a:p>
+          <a:p>
+            <a:r>
+              <a:rPr lang="en-US" dirty="0" smtClean="0"/>
+              <a:t>		</a:t>
+            </a:r>
+            <a:r>
+              <a:rPr lang="en-US" dirty="0" err="1" smtClean="0"/>
+              <a:t>context.Wait</a:t>
+            </a:r>
+            <a:r>
+              <a:rPr lang="en-US" dirty="0" smtClean="0"/>
+              <a:t>(</a:t>
+            </a:r>
+            <a:r>
+              <a:rPr lang="en-US" dirty="0" err="1" smtClean="0"/>
+              <a:t>MessageReceivedAsync</a:t>
+            </a:r>
+            <a:r>
+              <a:rPr lang="en-US" dirty="0" smtClean="0"/>
+              <a:t>);</a:t>
+            </a:r>
+          </a:p>
+          <a:p>
+            <a:r>
+              <a:rPr lang="en-US" dirty="0" smtClean="0"/>
+              <a:t>	}</a:t>
+            </a:r>
+          </a:p>
+          <a:p>
+            <a:r>
+              <a:rPr lang="en-US" dirty="0" smtClean="0"/>
+              <a:t>}</a:t>
+            </a:r>
+            <a:endParaRPr lang="en-US" dirty="0"/>
+          </a:p>
+        </p:txBody>
+      </p:sp>
+    </p:spTree>
+  </p:cSld>
+  <p:clrMapOvr>
+    <a:masterClrMapping/>
+  </p:clrMapOvr>
+  <p:timing>
+    <p:tnLst>
+      <p:par>
+        <p:cTn id="1" dur="indefinite" restart="never" nodeType="tmRoot"/>
+      </p:par>
+    </p:tnLst>
+  </p:timing>
+</p:sld>
+</file>
+
+<file path=ppt/slides/slide18.xml><?xml version="1.0" encoding="utf-8"?>
+<p:sld xmlns:a="http://schemas.openxmlformats.org/drawingml/2006/main" xmlns:r="http://schemas.openxmlformats.org/officeDocument/2006/relationships" xmlns:p="http://schemas.openxmlformats.org/presentationml/2006/main">
+  <p:cSld>
+    <p:bg>
+      <p:bgPr>
+        <a:blipFill dpi="0" rotWithShape="1">
+          <a:blip r:embed="rId2">
+            <a:lum/>
+          </a:blip>
+          <a:srcRect/>
+          <a:stretch>
+            <a:fillRect/>
+          </a:stretch>
+        </a:blipFill>
+        <a:effectLst/>
+      </p:bgPr>
+    </p:bg>
+    <p:spTree>
+      <p:nvGrpSpPr>
+        <p:cNvPr id="1" name=""/>
+        <p:cNvGrpSpPr/>
+        <p:nvPr/>
+      </p:nvGrpSpPr>
+      <p:grpSpPr>
+        <a:xfrm>
+          <a:off x="0" y="0"/>
+          <a:ext cx="0" cy="0"/>
+          <a:chOff x="0" y="0"/>
+          <a:chExt cx="0" cy="0"/>
+        </a:xfrm>
+      </p:grpSpPr>
+      <p:sp>
+        <p:nvSpPr>
+          <p:cNvPr id="2" name="Title 1"/>
+          <p:cNvSpPr>
+            <a:spLocks noGrp="1"/>
+          </p:cNvSpPr>
+          <p:nvPr>
+            <p:ph type="title"/>
+          </p:nvPr>
+        </p:nvSpPr>
+        <p:spPr/>
+        <p:txBody>
+          <a:bodyPr>
+            <a:normAutofit/>
+          </a:bodyPr>
+          <a:lstStyle/>
+          <a:p>
+            <a:r>
+              <a:rPr lang="ru-RU" dirty="0" smtClean="0"/>
+              <a:t>Ссылки</a:t>
+            </a:r>
+            <a:endParaRPr lang="en-US" dirty="0"/>
+          </a:p>
+        </p:txBody>
+      </p:sp>
+      <p:sp>
+        <p:nvSpPr>
+          <p:cNvPr id="4" name="Rectangle 3"/>
+          <p:cNvSpPr/>
+          <p:nvPr/>
+        </p:nvSpPr>
+        <p:spPr>
+          <a:xfrm>
+            <a:off x="685800" y="1447800"/>
+            <a:ext cx="7772400" cy="4801314"/>
+          </a:xfrm>
+          <a:prstGeom prst="rect">
+            <a:avLst/>
+          </a:prstGeom>
+        </p:spPr>
+        <p:txBody>
+          <a:bodyPr wrap="square">
+            <a:spAutoFit/>
+          </a:bodyPr>
+          <a:lstStyle/>
+          <a:p>
+            <a:r>
               <a:rPr lang="ru-RU" dirty="0" smtClean="0"/>
               <a:t>Примеры использования </a:t>
             </a:r>
@@ -5344,7 +5599,7 @@
           <a:p>
             <a:r>
               <a:rPr lang="en-US" dirty="0" smtClean="0">
-                <a:hlinkClick r:id="rId2"/>
+                <a:hlinkClick r:id="rId3"/>
               </a:rPr>
               <a:t>https://github.com/TelegramBots/telegram.bot.examples</a:t>
             </a:r>
@@ -5374,63 +5629,34 @@
           <a:p>
             <a:r>
               <a:rPr lang="en-US" u="sng" dirty="0" smtClean="0">
-                <a:hlinkClick r:id="rId3"/>
-              </a:rPr>
-              <a:t>http://aftamat4ik.ru/pishem-bota-telegram-na-c/</a:t>
-            </a:r>
-            <a:endParaRPr lang="en-US" u="sng" dirty="0" smtClean="0"/>
-          </a:p>
-          <a:p>
-            <a:r>
-              <a:rPr lang="ru-RU" dirty="0" smtClean="0"/>
-              <a:t>Как легко написать бота для Telegram на C#</a:t>
-            </a:r>
-            <a:endParaRPr lang="en-US" dirty="0" smtClean="0"/>
-          </a:p>
-          <a:p>
-            <a:r>
-              <a:rPr lang="en-US" dirty="0" smtClean="0">
                 <a:hlinkClick r:id="rId4"/>
               </a:rPr>
-              <a:t>https://habrahabr.ru/sandbox/103396</a:t>
-            </a:r>
-            <a:r>
-              <a:rPr lang="en-US" dirty="0" smtClean="0">
+              <a:t>http://aftamat4ik.ru/pishem-bota-telegram-na-c</a:t>
+            </a:r>
+            <a:r>
+              <a:rPr lang="en-US" u="sng" dirty="0" smtClean="0">
                 <a:hlinkClick r:id="rId4"/>
               </a:rPr>
               <a:t>/</a:t>
             </a:r>
+            <a:endParaRPr lang="ru-RU" u="sng" dirty="0" smtClean="0"/>
+          </a:p>
+          <a:p>
+            <a:endParaRPr lang="en-US" u="sng" dirty="0" smtClean="0"/>
+          </a:p>
+          <a:p>
+            <a:r>
+              <a:rPr lang="ru-RU" dirty="0" smtClean="0"/>
+              <a:t>Как легко написать бота для Telegram на C#</a:t>
+            </a:r>
             <a:endParaRPr lang="en-US" dirty="0" smtClean="0"/>
-          </a:p>
-          <a:p>
-            <a:endParaRPr lang="en-US" dirty="0" smtClean="0"/>
-          </a:p>
-          <a:p>
-            <a:r>
-              <a:rPr lang="en-US" dirty="0" smtClean="0"/>
-              <a:t>Microsoft </a:t>
-            </a:r>
-            <a:r>
-              <a:rPr lang="en-US" dirty="0" err="1" smtClean="0"/>
-              <a:t>Bot</a:t>
-            </a:r>
-            <a:r>
-              <a:rPr lang="en-US" dirty="0" smtClean="0"/>
-              <a:t> Framework</a:t>
-            </a:r>
           </a:p>
           <a:p>
             <a:r>
               <a:rPr lang="en-US" dirty="0" smtClean="0">
                 <a:hlinkClick r:id="rId5"/>
               </a:rPr>
-              <a:t>http://</a:t>
-            </a:r>
-            <a:r>
-              <a:rPr lang="en-US" dirty="0" smtClean="0">
-                <a:hlinkClick r:id="rId5"/>
-              </a:rPr>
-              <a:t>ru.bmstu.wiki/Microsoft_Bot_Framework</a:t>
+              <a:t>https://habrahabr.ru/sandbox/103396/</a:t>
             </a:r>
             <a:endParaRPr lang="en-US" dirty="0" smtClean="0"/>
           </a:p>
@@ -5439,64 +5665,39 @@
           </a:p>
           <a:p>
             <a:r>
-              <a:rPr lang="ru-RU" dirty="0" smtClean="0"/>
-              <a:t>Цикл видео по </a:t>
-            </a:r>
-            <a:r>
-              <a:rPr lang="en-US" dirty="0" smtClean="0"/>
-              <a:t>Microsoft </a:t>
-            </a:r>
-            <a:r>
-              <a:rPr lang="en-US" dirty="0" err="1" smtClean="0"/>
-              <a:t>Bot</a:t>
-            </a:r>
-            <a:r>
-              <a:rPr lang="en-US" dirty="0" smtClean="0"/>
-              <a:t> Framework</a:t>
-            </a:r>
+              <a:rPr lang="en-US" dirty="0" smtClean="0"/>
+              <a:t>Microsoft Bot </a:t>
+            </a:r>
+            <a:r>
+              <a:rPr lang="en-US" dirty="0" smtClean="0"/>
+              <a:t>Framework (</a:t>
+            </a:r>
+            <a:r>
+              <a:rPr lang="ru-RU" dirty="0" smtClean="0"/>
+              <a:t>статья введение)</a:t>
+            </a:r>
+            <a:endParaRPr lang="en-US" dirty="0" smtClean="0"/>
           </a:p>
           <a:p>
             <a:r>
               <a:rPr lang="en-US" dirty="0" smtClean="0">
                 <a:hlinkClick r:id="rId6"/>
               </a:rPr>
-              <a:t>https://</a:t>
-            </a:r>
-            <a:r>
-              <a:rPr lang="en-US" dirty="0" smtClean="0">
-                <a:hlinkClick r:id="rId6"/>
-              </a:rPr>
-              <a:t>www.youtube.com/playlist?list=PLgF-CyaX1p3FE55OTRNH-kOb16zqeBZCo</a:t>
-            </a:r>
-            <a:endParaRPr lang="ru-RU" dirty="0" smtClean="0"/>
-          </a:p>
-          <a:p>
-            <a:endParaRPr lang="ru-RU" dirty="0" smtClean="0"/>
-          </a:p>
-          <a:p>
-            <a:r>
-              <a:rPr lang="en-US" dirty="0" smtClean="0"/>
-              <a:t>Azure </a:t>
-            </a:r>
-            <a:r>
-              <a:rPr lang="en-US" dirty="0" err="1" smtClean="0"/>
-              <a:t>Bot</a:t>
-            </a:r>
-            <a:r>
-              <a:rPr lang="en-US" dirty="0" smtClean="0"/>
-              <a:t> Service (</a:t>
-            </a:r>
-            <a:r>
-              <a:rPr lang="ru-RU" dirty="0" smtClean="0"/>
-              <a:t>описание и цены на </a:t>
-            </a:r>
-            <a:r>
-              <a:rPr lang="ru-RU" dirty="0" err="1" smtClean="0"/>
-              <a:t>хостинг</a:t>
-            </a:r>
-            <a:r>
-              <a:rPr lang="ru-RU" dirty="0" smtClean="0"/>
-              <a:t> ботов)</a:t>
+              <a:t>http://ru.bmstu.wiki/Microsoft_Bot_Framework</a:t>
+            </a:r>
+            <a:endParaRPr lang="en-US" dirty="0" smtClean="0"/>
+          </a:p>
+          <a:p>
+            <a:endParaRPr lang="en-US" dirty="0" smtClean="0"/>
+          </a:p>
+          <a:p>
+            <a:r>
+              <a:rPr lang="ru-RU" dirty="0" smtClean="0"/>
+              <a:t>Цикл видео по </a:t>
+            </a:r>
+            <a:r>
+              <a:rPr lang="en-US" dirty="0" smtClean="0"/>
+              <a:t>Microsoft Bot Framework</a:t>
             </a:r>
           </a:p>
           <a:p>
@@ -5504,13 +5705,37 @@
               <a:rPr lang="en-US" dirty="0" smtClean="0">
                 <a:hlinkClick r:id="rId7"/>
               </a:rPr>
-              <a:t>https://azure.microsoft.com/ru-ru/services/bot-service</a:t>
-            </a:r>
+              <a:t>https://www.youtube.com/playlist?list=PLgF-CyaX1p3FE55OTRNH-kOb16zqeBZCo</a:t>
+            </a:r>
+            <a:endParaRPr lang="ru-RU" dirty="0" smtClean="0"/>
+          </a:p>
+          <a:p>
+            <a:endParaRPr lang="ru-RU" dirty="0" smtClean="0"/>
+          </a:p>
+          <a:p>
+            <a:r>
+              <a:rPr lang="en-US" dirty="0" smtClean="0"/>
+              <a:t>Azure Bot Service (</a:t>
+            </a:r>
+            <a:r>
+              <a:rPr lang="ru-RU" dirty="0" smtClean="0"/>
+              <a:t>описание и цены на </a:t>
+            </a:r>
+            <a:r>
+              <a:rPr lang="ru-RU" dirty="0" err="1" smtClean="0"/>
+              <a:t>хостинг</a:t>
+            </a:r>
+            <a:r>
+              <a:rPr lang="ru-RU" dirty="0" smtClean="0"/>
+              <a:t> ботов)</a:t>
+            </a:r>
+          </a:p>
+          <a:p>
             <a:r>
               <a:rPr lang="en-US" dirty="0" smtClean="0">
-                <a:hlinkClick r:id="rId7"/>
+                <a:hlinkClick r:id="rId8"/>
               </a:rPr>
-              <a:t>/</a:t>
+              <a:t>https://azure.microsoft.com/ru-ru/services/bot-service/</a:t>
             </a:r>
             <a:endParaRPr lang="ru-RU" dirty="0" smtClean="0"/>
           </a:p>
@@ -5578,15 +5803,7 @@
             </a:br>
             <a:r>
               <a:rPr lang="ru-RU" dirty="0" smtClean="0"/>
-              <a:t>Способы реализации</a:t>
-            </a:r>
-            <a:r>
-              <a:rPr lang="en-US" dirty="0" smtClean="0"/>
-              <a:t> </a:t>
-            </a:r>
-            <a:r>
-              <a:rPr lang="ru-RU" dirty="0" smtClean="0"/>
-              <a:t>сервиса</a:t>
+              <a:t>Разновидности</a:t>
             </a:r>
             <a:endParaRPr lang="en-US" dirty="0"/>
           </a:p>
@@ -5594,14 +5811,14 @@
       </p:sp>
       <p:sp>
         <p:nvSpPr>
-          <p:cNvPr id="6" name="Rectangle 5"/>
+          <p:cNvPr id="9" name="Rectangle 8"/>
           <p:cNvSpPr/>
           <p:nvPr/>
         </p:nvSpPr>
         <p:spPr>
           <a:xfrm>
-            <a:off x="533400" y="2514600"/>
-            <a:ext cx="3886200" cy="4124206"/>
+            <a:off x="457200" y="1600200"/>
+            <a:ext cx="8077200" cy="2585323"/>
           </a:xfrm>
           <a:prstGeom prst="rect">
             <a:avLst/>
@@ -5613,192 +5830,66 @@
           </a:bodyPr>
           <a:lstStyle/>
           <a:p>
-            <a:pPr algn="ctr"/>
-            <a:r>
-              <a:rPr lang="en-US" sz="2800" dirty="0" smtClean="0"/>
-              <a:t>Web-</a:t>
-            </a:r>
-            <a:r>
-              <a:rPr lang="ru-RU" sz="2800" dirty="0" smtClean="0"/>
-              <a:t>приложение</a:t>
-            </a:r>
-          </a:p>
-          <a:p>
-            <a:pPr algn="ctr"/>
+            <a:r>
+              <a:rPr lang="ru-RU" dirty="0" smtClean="0"/>
+              <a:t>Информационные боты</a:t>
+            </a:r>
+          </a:p>
+          <a:p>
             <a:endParaRPr lang="ru-RU" dirty="0" smtClean="0"/>
           </a:p>
           <a:p>
             <a:r>
               <a:rPr lang="ru-RU" dirty="0" smtClean="0"/>
-              <a:t>При этом способе ваше приложение каждые 100мс (или реже) соединяется с сервером Telegram и опрашивает наличие изменений.</a:t>
-            </a:r>
+              <a:t>Боты обрабатывающие строго формализованные команды</a:t>
+            </a:r>
+          </a:p>
+          <a:p>
             <a:endParaRPr lang="ru-RU" dirty="0" smtClean="0"/>
           </a:p>
           <a:p>
             <a:r>
               <a:rPr lang="ru-RU" dirty="0" smtClean="0"/>
-              <a:t> </a:t>
-            </a:r>
-          </a:p>
-          <a:p>
-            <a:r>
-              <a:rPr lang="ru-RU" dirty="0" smtClean="0"/>
-              <a:t>Минус  подхода в том, что создается большая нагрузка на сервера Telegram.</a:t>
-            </a:r>
-          </a:p>
-          <a:p>
+              <a:t>Боты для автоматизации рабочих процессов</a:t>
+            </a:r>
+          </a:p>
+          <a:p>
+            <a:r>
+              <a:rPr lang="ru-RU" dirty="0" smtClean="0"/>
+              <a:t>(например, генерация задачи в </a:t>
+            </a:r>
+            <a:r>
+              <a:rPr lang="en-US" dirty="0" smtClean="0"/>
+              <a:t>TFS </a:t>
+            </a:r>
+            <a:r>
+              <a:rPr lang="ru-RU" dirty="0" smtClean="0"/>
+              <a:t>на основе письма об ошибке)</a:t>
+            </a:r>
             <a:endParaRPr lang="ru-RU" dirty="0" smtClean="0"/>
           </a:p>
           <a:p>
-            <a:r>
-              <a:rPr lang="ru-RU" dirty="0" smtClean="0"/>
-              <a:t>Плюс в том, что он проще в реализации и тестировании, не нужно заморачиваться с </a:t>
-            </a:r>
-            <a:r>
-              <a:rPr lang="en-US" dirty="0" smtClean="0"/>
-              <a:t>SSL</a:t>
-            </a:r>
-            <a:r>
-              <a:rPr lang="ru-RU" dirty="0" smtClean="0"/>
-              <a:t> </a:t>
-            </a:r>
-          </a:p>
-        </p:txBody>
-      </p:sp>
-      <p:sp>
-        <p:nvSpPr>
-          <p:cNvPr id="8" name="Rectangle 7"/>
-          <p:cNvSpPr/>
-          <p:nvPr/>
-        </p:nvSpPr>
-        <p:spPr>
-          <a:xfrm>
-            <a:off x="4800600" y="2514600"/>
-            <a:ext cx="3886200" cy="4124206"/>
-          </a:xfrm>
-          <a:prstGeom prst="rect">
-            <a:avLst/>
-          </a:prstGeom>
-        </p:spPr>
-        <p:txBody>
-          <a:bodyPr wrap="square">
-            <a:spAutoFit/>
-          </a:bodyPr>
-          <a:lstStyle/>
-          <a:p>
-            <a:pPr algn="ctr"/>
-            <a:r>
-              <a:rPr lang="ru-RU" sz="2800" dirty="0" smtClean="0"/>
-              <a:t>Бот</a:t>
-            </a:r>
-            <a:endParaRPr lang="ru-RU" sz="2800" dirty="0" smtClean="0"/>
-          </a:p>
-          <a:p>
-            <a:pPr algn="ctr"/>
-            <a:endParaRPr lang="en-US" dirty="0" smtClean="0"/>
-          </a:p>
-          <a:p>
-            <a:r>
-              <a:rPr lang="ru-RU" dirty="0" smtClean="0"/>
-              <a:t>В этом случае Telegram отправляет все изменения на указанный сервис, запущенный на определённом порту</a:t>
-            </a:r>
-          </a:p>
-          <a:p>
             <a:endParaRPr lang="ru-RU" dirty="0" smtClean="0"/>
           </a:p>
           <a:p>
-            <a:endParaRPr lang="ru-RU" dirty="0" smtClean="0"/>
-          </a:p>
-          <a:p>
-            <a:r>
-              <a:rPr lang="ru-RU" dirty="0" smtClean="0"/>
-              <a:t>Минус в том, что для тестирования необходим </a:t>
-            </a:r>
-            <a:r>
-              <a:rPr lang="en-US" dirty="0" smtClean="0"/>
-              <a:t>SSL</a:t>
-            </a:r>
-            <a:r>
-              <a:rPr lang="ru-RU" dirty="0" smtClean="0"/>
-              <a:t>-сертификат</a:t>
-            </a:r>
-          </a:p>
-          <a:p>
-            <a:endParaRPr lang="ru-RU" dirty="0" smtClean="0"/>
-          </a:p>
-          <a:p>
-            <a:endParaRPr lang="ru-RU" dirty="0" smtClean="0"/>
-          </a:p>
-          <a:p>
-            <a:r>
-              <a:rPr lang="ru-RU" dirty="0" smtClean="0"/>
-              <a:t>Плюс в том, что бот, не нагружает </a:t>
-            </a:r>
-            <a:r>
-              <a:rPr lang="en-US" dirty="0" smtClean="0"/>
-              <a:t>Telegram</a:t>
-            </a:r>
-            <a:r>
-              <a:rPr lang="ru-RU" dirty="0" smtClean="0"/>
-              <a:t>, обрабатывая только реально произошедшие изменения</a:t>
-            </a:r>
-          </a:p>
-        </p:txBody>
-      </p:sp>
-      <p:sp>
-        <p:nvSpPr>
-          <p:cNvPr id="5" name="Rectangle 4"/>
-          <p:cNvSpPr/>
-          <p:nvPr/>
-        </p:nvSpPr>
-        <p:spPr>
-          <a:xfrm>
-            <a:off x="457200" y="1600200"/>
-            <a:ext cx="8077200" cy="646331"/>
-          </a:xfrm>
-          <a:prstGeom prst="rect">
-            <a:avLst/>
-          </a:prstGeom>
-        </p:spPr>
-        <p:txBody>
-          <a:bodyPr wrap="square">
-            <a:spAutoFit/>
-          </a:bodyPr>
-          <a:lstStyle/>
-          <a:p>
-            <a:r>
-              <a:rPr lang="ru-RU" dirty="0" smtClean="0"/>
-              <a:t>Бот состоит из двух частей</a:t>
-            </a:r>
-            <a:r>
-              <a:rPr lang="en-US" dirty="0" smtClean="0"/>
-              <a:t>:</a:t>
-            </a:r>
-            <a:r>
-              <a:rPr lang="ru-RU" dirty="0" smtClean="0"/>
-              <a:t> интерфейса в </a:t>
-            </a:r>
-            <a:r>
-              <a:rPr lang="en-US" dirty="0" smtClean="0"/>
-              <a:t>Telegram </a:t>
-            </a:r>
-            <a:r>
-              <a:rPr lang="ru-RU" dirty="0" smtClean="0"/>
-              <a:t>и</a:t>
-            </a:r>
-            <a:r>
-              <a:rPr lang="en-US" dirty="0" smtClean="0"/>
-              <a:t> </a:t>
-            </a:r>
-            <a:r>
-              <a:rPr lang="ru-RU" dirty="0" smtClean="0"/>
-              <a:t>сервиса, обрабатывающий запросы. </a:t>
-            </a:r>
-            <a:r>
-              <a:rPr lang="ru-RU" smtClean="0"/>
-              <a:t>ма</a:t>
-            </a:r>
-            <a:endParaRPr lang="en-US" dirty="0" smtClean="0"/>
+            <a:r>
+              <a:rPr lang="ru-RU" dirty="0" smtClean="0"/>
+              <a:t>Поддерживающие естественный язык общения с клиентом</a:t>
+            </a:r>
+            <a:r>
+              <a:rPr lang="en-US" dirty="0" smtClean="0"/>
+              <a:t>/</a:t>
+            </a:r>
+            <a:r>
+              <a:rPr lang="ru-RU" dirty="0" smtClean="0"/>
+              <a:t>пользователем</a:t>
+            </a:r>
+          </a:p>
+          <a:p>
+            <a:r>
+              <a:rPr lang="ru-RU" dirty="0" smtClean="0"/>
+              <a:t>(Нейронные сети и другие технологии)</a:t>
+            </a:r>
           </a:p>
         </p:txBody>
       </p:sp>
@@ -5853,26 +5944,30 @@
           <a:p>
             <a:r>
               <a:rPr lang="ru-RU" dirty="0" smtClean="0"/>
-              <a:t>Бот для </a:t>
-            </a:r>
-            <a:r>
-              <a:rPr lang="en-US" dirty="0" smtClean="0"/>
-              <a:t>Telegram</a:t>
+              <a:t>Боты</a:t>
+            </a:r>
+            <a:r>
+              <a:rPr lang="en-US" dirty="0" smtClean="0"/>
+              <a:t/>
             </a:r>
             <a:br>
               <a:rPr lang="en-US" dirty="0" smtClean="0"/>
             </a:br>
             <a:r>
-              <a:rPr lang="ru-RU" dirty="0" smtClean="0"/>
-              <a:t>Способы реализации</a:t>
-            </a:r>
-            <a:r>
-              <a:rPr lang="en-US" dirty="0" smtClean="0"/>
-              <a:t> </a:t>
-            </a:r>
-            <a:r>
-              <a:rPr lang="ru-RU" dirty="0" smtClean="0"/>
-              <a:t>сервиса</a:t>
+              <a:rPr lang="en-US" dirty="0" smtClean="0"/>
+              <a:t>Web-</a:t>
+            </a:r>
+            <a:r>
+              <a:rPr lang="ru-RU" dirty="0" smtClean="0"/>
+              <a:t>приложение </a:t>
+            </a:r>
+            <a:r>
+              <a:rPr lang="en-US" dirty="0" smtClean="0"/>
+              <a:t>VS </a:t>
+            </a:r>
+            <a:r>
+              <a:rPr lang="ru-RU" dirty="0" smtClean="0"/>
+              <a:t>бот</a:t>
             </a:r>
             <a:endParaRPr lang="en-US" dirty="0"/>
           </a:p>
@@ -5880,14 +5975,14 @@
       </p:sp>
       <p:sp>
         <p:nvSpPr>
-          <p:cNvPr id="9" name="Rectangle 8"/>
+          <p:cNvPr id="6" name="Rectangle 5"/>
           <p:cNvSpPr/>
           <p:nvPr/>
         </p:nvSpPr>
         <p:spPr>
           <a:xfrm>
-            <a:off x="457200" y="1600200"/>
-            <a:ext cx="8077200" cy="2031325"/>
+            <a:off x="533400" y="2514600"/>
+            <a:ext cx="3886200" cy="3847207"/>
           </a:xfrm>
           <a:prstGeom prst="rect">
             <a:avLst/>
@@ -5899,78 +5994,182 @@
           </a:bodyPr>
           <a:lstStyle/>
           <a:p>
-            <a:r>
-              <a:rPr lang="ru-RU" dirty="0" smtClean="0"/>
-              <a:t>Бот состоит из двух частей</a:t>
-            </a:r>
-            <a:r>
-              <a:rPr lang="en-US" dirty="0" smtClean="0"/>
-              <a:t>:</a:t>
-            </a:r>
-            <a:r>
-              <a:rPr lang="ru-RU" dirty="0" smtClean="0"/>
-              <a:t> интерфейса в </a:t>
-            </a:r>
-            <a:r>
-              <a:rPr lang="en-US" dirty="0" smtClean="0"/>
-              <a:t>Telegram </a:t>
-            </a:r>
-            <a:r>
-              <a:rPr lang="ru-RU" dirty="0" smtClean="0"/>
-              <a:t>и</a:t>
-            </a:r>
-            <a:r>
-              <a:rPr lang="en-US" dirty="0" smtClean="0"/>
-              <a:t> </a:t>
-            </a:r>
-            <a:r>
-              <a:rPr lang="ru-RU" dirty="0" smtClean="0"/>
-              <a:t>сервиса, обрабатывающий запросы. </a:t>
-            </a:r>
-          </a:p>
-          <a:p>
+            <a:pPr algn="ctr"/>
+            <a:r>
+              <a:rPr lang="en-US" sz="2800" dirty="0" smtClean="0"/>
+              <a:t>Web-</a:t>
+            </a:r>
+            <a:r>
+              <a:rPr lang="ru-RU" sz="2800" dirty="0" smtClean="0"/>
+              <a:t>приложение</a:t>
+            </a:r>
+          </a:p>
+          <a:p>
+            <a:pPr algn="ctr"/>
             <a:endParaRPr lang="ru-RU" dirty="0" smtClean="0"/>
           </a:p>
           <a:p>
             <a:r>
               <a:rPr lang="ru-RU" dirty="0" smtClean="0"/>
-              <a:t>Интерфейс в </a:t>
-            </a:r>
-            <a:r>
-              <a:rPr lang="en-US" dirty="0" smtClean="0"/>
-              <a:t>Telegram </a:t>
-            </a:r>
-            <a:r>
-              <a:rPr lang="ru-RU" dirty="0" smtClean="0"/>
-              <a:t>создаётся с помощью специального бота </a:t>
-            </a:r>
-            <a:r>
-              <a:rPr lang="en-US" dirty="0" err="1" smtClean="0"/>
-              <a:t>BotFather</a:t>
-            </a:r>
-            <a:r>
-              <a:rPr lang="en-US" dirty="0" smtClean="0"/>
-              <a:t>.</a:t>
-            </a:r>
+              <a:t>Требуется </a:t>
+            </a:r>
+            <a:r>
+              <a:rPr lang="ru-RU" dirty="0" smtClean="0"/>
+              <a:t>затраты на разработку интерфейса, способного работать на разных браузерах и ОС. От разработчиков требуется высокая квалификация в части </a:t>
+            </a:r>
+            <a:r>
+              <a:rPr lang="en-US" dirty="0" smtClean="0"/>
+              <a:t>frontend</a:t>
+            </a:r>
+            <a:r>
+              <a:rPr lang="ru-RU" dirty="0" smtClean="0"/>
+              <a:t>- технологий.</a:t>
+            </a:r>
+          </a:p>
+          <a:p>
             <a:endParaRPr lang="ru-RU" dirty="0" smtClean="0"/>
           </a:p>
           <a:p>
+            <a:r>
+              <a:rPr lang="ru-RU" dirty="0" smtClean="0"/>
+              <a:t>Полный контроль внешнего вида приложения</a:t>
+            </a:r>
+            <a:r>
+              <a:rPr lang="en-US" dirty="0" smtClean="0"/>
+              <a:t>. </a:t>
+            </a:r>
+            <a:r>
+              <a:rPr lang="ru-RU" dirty="0" smtClean="0"/>
+              <a:t>Нестандартные кейсы</a:t>
+            </a:r>
+          </a:p>
+          <a:p>
             <a:endParaRPr lang="ru-RU" dirty="0" smtClean="0"/>
           </a:p>
           <a:p>
             <a:r>
               <a:rPr lang="ru-RU" dirty="0" smtClean="0"/>
-              <a:t>Главный источник информации по созданию ботов</a:t>
-            </a:r>
-          </a:p>
-          <a:p>
-            <a:r>
-              <a:rPr lang="en-US" dirty="0" smtClean="0">
-                <a:hlinkClick r:id="rId2"/>
-              </a:rPr>
-              <a:t>https://core.telegram.org/bots</a:t>
-            </a:r>
+              <a:t>Полный контроль </a:t>
+            </a:r>
+            <a:r>
+              <a:rPr lang="en-US" dirty="0" smtClean="0"/>
+              <a:t>API</a:t>
+            </a:r>
+            <a:endParaRPr lang="ru-RU" dirty="0" smtClean="0"/>
+          </a:p>
+        </p:txBody>
+      </p:sp>
+      <p:sp>
+        <p:nvSpPr>
+          <p:cNvPr id="8" name="Rectangle 7"/>
+          <p:cNvSpPr/>
+          <p:nvPr/>
+        </p:nvSpPr>
+        <p:spPr>
+          <a:xfrm>
+            <a:off x="4800600" y="2514600"/>
+            <a:ext cx="3886200" cy="3847207"/>
+          </a:xfrm>
+          <a:prstGeom prst="rect">
+            <a:avLst/>
+          </a:prstGeom>
+        </p:spPr>
+        <p:txBody>
+          <a:bodyPr wrap="square">
+            <a:spAutoFit/>
+          </a:bodyPr>
+          <a:lstStyle/>
+          <a:p>
+            <a:pPr algn="ctr"/>
+            <a:r>
+              <a:rPr lang="ru-RU" sz="2800" dirty="0" smtClean="0"/>
+              <a:t>Бот</a:t>
+            </a:r>
+          </a:p>
+          <a:p>
+            <a:pPr algn="ctr"/>
             <a:endParaRPr lang="en-US" dirty="0" smtClean="0"/>
+          </a:p>
+          <a:p>
+            <a:r>
+              <a:rPr lang="ru-RU" dirty="0" smtClean="0"/>
+              <a:t>Достаточно придумать названия команд. Всю визуальную часть и поддержку разных ОС </a:t>
+            </a:r>
+            <a:r>
+              <a:rPr lang="ru-RU" dirty="0" smtClean="0"/>
+              <a:t>и браузеров берёт на себя мессенджер.</a:t>
+            </a:r>
+            <a:endParaRPr lang="en-US" dirty="0" smtClean="0"/>
+          </a:p>
+          <a:p>
+            <a:endParaRPr lang="ru-RU" dirty="0" smtClean="0"/>
+          </a:p>
+          <a:p>
+            <a:endParaRPr lang="ru-RU" dirty="0" smtClean="0"/>
+          </a:p>
+          <a:p>
+            <a:endParaRPr lang="en-US" dirty="0" smtClean="0"/>
+          </a:p>
+          <a:p>
+            <a:r>
+              <a:rPr lang="ru-RU" dirty="0" smtClean="0"/>
+              <a:t>Нет контроля внешнего интерфейса бота.</a:t>
+            </a:r>
+          </a:p>
+          <a:p>
+            <a:endParaRPr lang="ru-RU" dirty="0" smtClean="0"/>
+          </a:p>
+          <a:p>
+            <a:r>
+              <a:rPr lang="en-US" dirty="0" smtClean="0"/>
+              <a:t>API</a:t>
+            </a:r>
+            <a:r>
+              <a:rPr lang="ru-RU" dirty="0" smtClean="0"/>
+              <a:t> может поменяться</a:t>
+            </a:r>
+            <a:endParaRPr lang="ru-RU" dirty="0" smtClean="0"/>
+          </a:p>
+        </p:txBody>
+      </p:sp>
+      <p:sp>
+        <p:nvSpPr>
+          <p:cNvPr id="5" name="Rectangle 4"/>
+          <p:cNvSpPr/>
+          <p:nvPr/>
+        </p:nvSpPr>
+        <p:spPr>
+          <a:xfrm>
+            <a:off x="457200" y="1600200"/>
+            <a:ext cx="8077200" cy="646331"/>
+          </a:xfrm>
+          <a:prstGeom prst="rect">
+            <a:avLst/>
+          </a:prstGeom>
+        </p:spPr>
+        <p:txBody>
+          <a:bodyPr wrap="square">
+            <a:spAutoFit/>
+          </a:bodyPr>
+          <a:lstStyle/>
+          <a:p>
+            <a:r>
+              <a:rPr lang="ru-RU" dirty="0" smtClean="0"/>
+              <a:t>В обоих случаях </a:t>
+            </a:r>
+            <a:r>
+              <a:rPr lang="ru-RU" dirty="0" smtClean="0"/>
+              <a:t>необходим </a:t>
+            </a:r>
+            <a:r>
+              <a:rPr lang="en-US" dirty="0" smtClean="0"/>
+              <a:t>middle</a:t>
+            </a:r>
+            <a:r>
+              <a:rPr lang="ru-RU" dirty="0" smtClean="0"/>
+              <a:t>-слой обработки запросов и сервер для его хоста.</a:t>
+            </a:r>
+            <a:endParaRPr lang="ru-RU" dirty="0" smtClean="0"/>
           </a:p>
         </p:txBody>
       </p:sp>
@@ -5990,6 +6189,343 @@
 </file>
 
 <file path=ppt/slides/slide4.xml><?xml version="1.0" encoding="utf-8"?>
+<p:sld xmlns:a="http://schemas.openxmlformats.org/drawingml/2006/main" xmlns:r="http://schemas.openxmlformats.org/officeDocument/2006/relationships" xmlns:p="http://schemas.openxmlformats.org/presentationml/2006/main">
+  <p:cSld>
+    <p:spTree>
+      <p:nvGrpSpPr>
+        <p:cNvPr id="1" name=""/>
+        <p:cNvGrpSpPr/>
+        <p:nvPr/>
+      </p:nvGrpSpPr>
+      <p:grpSpPr>
+        <a:xfrm>
+          <a:off x="0" y="0"/>
+          <a:ext cx="0" cy="0"/>
+          <a:chOff x="0" y="0"/>
+          <a:chExt cx="0" cy="0"/>
+        </a:xfrm>
+      </p:grpSpPr>
+      <p:sp>
+        <p:nvSpPr>
+          <p:cNvPr id="2" name="Title 1"/>
+          <p:cNvSpPr>
+            <a:spLocks noGrp="1"/>
+          </p:cNvSpPr>
+          <p:nvPr>
+            <p:ph type="title"/>
+          </p:nvPr>
+        </p:nvSpPr>
+        <p:spPr/>
+        <p:txBody>
+          <a:bodyPr>
+            <a:normAutofit fontScale="90000"/>
+          </a:bodyPr>
+          <a:lstStyle/>
+          <a:p>
+            <a:r>
+              <a:rPr lang="ru-RU" dirty="0" smtClean="0"/>
+              <a:t>Бот для </a:t>
+            </a:r>
+            <a:r>
+              <a:rPr lang="en-US" dirty="0" smtClean="0"/>
+              <a:t>Telegram</a:t>
+            </a:r>
+            <a:br>
+              <a:rPr lang="en-US" dirty="0" smtClean="0"/>
+            </a:br>
+            <a:r>
+              <a:rPr lang="ru-RU" dirty="0" smtClean="0"/>
+              <a:t>Способы реализации</a:t>
+            </a:r>
+            <a:r>
+              <a:rPr lang="en-US" dirty="0" smtClean="0"/>
+              <a:t> </a:t>
+            </a:r>
+            <a:r>
+              <a:rPr lang="ru-RU" dirty="0" smtClean="0"/>
+              <a:t>сервиса</a:t>
+            </a:r>
+            <a:endParaRPr lang="en-US" dirty="0"/>
+          </a:p>
+        </p:txBody>
+      </p:sp>
+      <p:sp>
+        <p:nvSpPr>
+          <p:cNvPr id="9" name="Rectangle 8"/>
+          <p:cNvSpPr/>
+          <p:nvPr/>
+        </p:nvSpPr>
+        <p:spPr>
+          <a:xfrm>
+            <a:off x="457200" y="1600200"/>
+            <a:ext cx="8077200" cy="4739759"/>
+          </a:xfrm>
+          <a:prstGeom prst="rect">
+            <a:avLst/>
+          </a:prstGeom>
+        </p:spPr>
+        <p:txBody>
+          <a:bodyPr wrap="square">
+            <a:spAutoFit/>
+          </a:bodyPr>
+          <a:lstStyle/>
+          <a:p>
+            <a:r>
+              <a:rPr lang="ru-RU" dirty="0" smtClean="0"/>
+              <a:t>Главный </a:t>
+            </a:r>
+            <a:r>
+              <a:rPr lang="ru-RU" dirty="0" smtClean="0"/>
+              <a:t>источник информации по созданию ботов</a:t>
+            </a:r>
+          </a:p>
+          <a:p>
+            <a:r>
+              <a:rPr lang="en-US" dirty="0" smtClean="0">
+                <a:hlinkClick r:id="rId2"/>
+              </a:rPr>
+              <a:t>https://core.telegram.org/bots</a:t>
+            </a:r>
+            <a:endParaRPr lang="en-US" dirty="0" smtClean="0"/>
+          </a:p>
+          <a:p>
+            <a:endParaRPr lang="ru-RU" dirty="0" smtClean="0"/>
+          </a:p>
+          <a:p>
+            <a:r>
+              <a:rPr lang="ru-RU" dirty="0" smtClean="0"/>
+              <a:t>Бот </a:t>
+            </a:r>
+            <a:r>
+              <a:rPr lang="ru-RU" dirty="0" smtClean="0"/>
+              <a:t>состоит из двух частей</a:t>
+            </a:r>
+            <a:r>
+              <a:rPr lang="en-US" dirty="0" smtClean="0"/>
+              <a:t>:</a:t>
+            </a:r>
+            <a:r>
+              <a:rPr lang="ru-RU" dirty="0" smtClean="0"/>
+              <a:t> интерфейса в </a:t>
+            </a:r>
+            <a:r>
+              <a:rPr lang="en-US" dirty="0" smtClean="0"/>
+              <a:t>Telegram </a:t>
+            </a:r>
+            <a:r>
+              <a:rPr lang="ru-RU" dirty="0" smtClean="0"/>
+              <a:t>и</a:t>
+            </a:r>
+            <a:r>
+              <a:rPr lang="en-US" dirty="0" smtClean="0"/>
+              <a:t> </a:t>
+            </a:r>
+            <a:r>
+              <a:rPr lang="ru-RU" dirty="0" smtClean="0"/>
+              <a:t>сервиса, обрабатывающий запросы. </a:t>
+            </a:r>
+          </a:p>
+          <a:p>
+            <a:endParaRPr lang="ru-RU" dirty="0" smtClean="0"/>
+          </a:p>
+          <a:p>
+            <a:r>
+              <a:rPr lang="ru-RU" dirty="0" smtClean="0"/>
+              <a:t>Интерфейс в </a:t>
+            </a:r>
+            <a:r>
+              <a:rPr lang="en-US" dirty="0" smtClean="0"/>
+              <a:t>Telegram </a:t>
+            </a:r>
+            <a:r>
+              <a:rPr lang="ru-RU" dirty="0" smtClean="0"/>
+              <a:t>создаётся с помощью специального бота </a:t>
+            </a:r>
+            <a:r>
+              <a:rPr lang="en-US" dirty="0" err="1" smtClean="0"/>
+              <a:t>BotFather</a:t>
+            </a:r>
+            <a:r>
+              <a:rPr lang="en-US" dirty="0" smtClean="0"/>
+              <a:t>.</a:t>
+            </a:r>
+            <a:endParaRPr lang="ru-RU" dirty="0" smtClean="0"/>
+          </a:p>
+          <a:p>
+            <a:endParaRPr lang="ru-RU" dirty="0" smtClean="0"/>
+          </a:p>
+          <a:p>
+            <a:pPr algn="ctr"/>
+            <a:r>
+              <a:rPr lang="ru-RU" sz="3200" dirty="0" smtClean="0"/>
+              <a:t>Способы создания сервиса</a:t>
+            </a:r>
+            <a:endParaRPr lang="ru-RU" sz="3200" dirty="0" smtClean="0"/>
+          </a:p>
+          <a:p>
+            <a:r>
+              <a:rPr lang="en-US" dirty="0" smtClean="0"/>
+              <a:t>1</a:t>
+            </a:r>
+            <a:r>
+              <a:rPr lang="en-US" dirty="0" smtClean="0"/>
+              <a:t>.</a:t>
+            </a:r>
+            <a:r>
+              <a:rPr lang="ru-RU" dirty="0" smtClean="0"/>
+              <a:t> </a:t>
+            </a:r>
+            <a:endParaRPr lang="en-US" dirty="0" smtClean="0"/>
+          </a:p>
+          <a:p>
+            <a:r>
+              <a:rPr lang="ru-RU" dirty="0" err="1" smtClean="0"/>
+              <a:t>Самописное</a:t>
+            </a:r>
+            <a:r>
+              <a:rPr lang="ru-RU" dirty="0" smtClean="0"/>
+              <a:t> </a:t>
+            </a:r>
+            <a:r>
+              <a:rPr lang="en-US" dirty="0" smtClean="0"/>
+              <a:t>SDK</a:t>
+            </a:r>
+            <a:endParaRPr lang="en-US" dirty="0" smtClean="0"/>
+          </a:p>
+          <a:p>
+            <a:r>
+              <a:rPr lang="ru-RU" dirty="0" smtClean="0"/>
+              <a:t>2</a:t>
+            </a:r>
+            <a:r>
+              <a:rPr lang="en-US" dirty="0" smtClean="0"/>
+              <a:t>.</a:t>
+            </a:r>
+          </a:p>
+          <a:p>
+            <a:r>
+              <a:rPr lang="en-US" dirty="0" err="1" smtClean="0"/>
+              <a:t>Telegram.Bot</a:t>
+            </a:r>
+            <a:r>
+              <a:rPr lang="en-US" dirty="0" smtClean="0"/>
+              <a:t> </a:t>
+            </a:r>
+            <a:r>
+              <a:rPr lang="ru-RU" dirty="0" smtClean="0"/>
+              <a:t> готовое </a:t>
+            </a:r>
+            <a:r>
+              <a:rPr lang="en-US" dirty="0" smtClean="0"/>
+              <a:t>SDK </a:t>
+            </a:r>
+            <a:r>
+              <a:rPr lang="ru-RU" dirty="0" smtClean="0"/>
+              <a:t>на </a:t>
+            </a:r>
+            <a:r>
+              <a:rPr lang="en-US" dirty="0" err="1" smtClean="0"/>
+              <a:t>.Net</a:t>
+            </a:r>
+            <a:r>
+              <a:rPr lang="en-US" dirty="0" smtClean="0"/>
+              <a:t> </a:t>
+            </a:r>
+            <a:r>
+              <a:rPr lang="ru-RU" dirty="0" smtClean="0"/>
+              <a:t>(</a:t>
+            </a:r>
+            <a:r>
+              <a:rPr lang="en-US" dirty="0" err="1" smtClean="0"/>
+              <a:t>nuget</a:t>
+            </a:r>
+            <a:r>
+              <a:rPr lang="en-US" dirty="0" smtClean="0"/>
+              <a:t>-</a:t>
+            </a:r>
+            <a:r>
+              <a:rPr lang="ru-RU" dirty="0" smtClean="0"/>
+              <a:t>пакет </a:t>
+            </a:r>
+            <a:r>
+              <a:rPr lang="en-US" dirty="0" err="1" smtClean="0"/>
+              <a:t>Telegram.Bot</a:t>
+            </a:r>
+            <a:r>
+              <a:rPr lang="ru-RU" dirty="0" smtClean="0"/>
+              <a:t>)</a:t>
+            </a:r>
+          </a:p>
+          <a:p>
+            <a:r>
+              <a:rPr lang="en-US" dirty="0" smtClean="0">
+                <a:hlinkClick r:id="rId3"/>
+              </a:rPr>
+              <a:t>https://</a:t>
+            </a:r>
+            <a:r>
+              <a:rPr lang="en-US" dirty="0" smtClean="0">
+                <a:hlinkClick r:id="rId3"/>
+              </a:rPr>
+              <a:t>github.com/TelegramBots/telegram.bot</a:t>
+            </a:r>
+            <a:endParaRPr lang="ru-RU" dirty="0" smtClean="0"/>
+          </a:p>
+          <a:p>
+            <a:r>
+              <a:rPr lang="ru-RU" dirty="0" smtClean="0"/>
+              <a:t>3.</a:t>
+            </a:r>
+          </a:p>
+          <a:p>
+            <a:r>
+              <a:rPr lang="en-US" dirty="0" smtClean="0"/>
+              <a:t>Bot Builder SDK for .NET</a:t>
+            </a:r>
+            <a:r>
+              <a:rPr lang="ru-RU" dirty="0" smtClean="0"/>
+              <a:t> </a:t>
+            </a:r>
+            <a:r>
+              <a:rPr lang="en-US" dirty="0" smtClean="0"/>
+              <a:t>(</a:t>
+            </a:r>
+            <a:r>
+              <a:rPr lang="en-US" dirty="0" err="1" smtClean="0"/>
+              <a:t>nuget</a:t>
+            </a:r>
+            <a:r>
+              <a:rPr lang="ru-RU" dirty="0" smtClean="0"/>
+              <a:t>-пакет </a:t>
+            </a:r>
+            <a:r>
+              <a:rPr lang="en-US" dirty="0" err="1" smtClean="0"/>
+              <a:t>Microsoft.Bot.Builder</a:t>
+            </a:r>
+            <a:r>
+              <a:rPr lang="ru-RU" dirty="0" smtClean="0"/>
+              <a:t>)</a:t>
+            </a:r>
+            <a:endParaRPr lang="en-US" dirty="0" smtClean="0"/>
+          </a:p>
+        </p:txBody>
+      </p:sp>
+    </p:spTree>
+  </p:cSld>
+  <p:clrMapOvr>
+    <a:masterClrMapping/>
+  </p:clrMapOvr>
+  <p:timing>
+    <p:tnLst>
+      <p:par>
+        <p:cTn id="1" dur="indefinite" restart="never" nodeType="tmRoot"/>
+      </p:par>
+    </p:tnLst>
+  </p:timing>
+</p:sld>
+</file>
+
+<file path=ppt/slides/slide5.xml><?xml version="1.0" encoding="utf-8"?>
 <p:sld xmlns:a="http://schemas.openxmlformats.org/drawingml/2006/main" xmlns:r="http://schemas.openxmlformats.org/officeDocument/2006/relationships" xmlns:p="http://schemas.openxmlformats.org/presentationml/2006/main">
   <p:cSld>
     <p:spTree>
@@ -6153,249 +6689,6 @@
 </p:sld>
 </file>
 
-<file path=ppt/slides/slide5.xml><?xml version="1.0" encoding="utf-8"?>
-<p:sld xmlns:a="http://schemas.openxmlformats.org/drawingml/2006/main" xmlns:r="http://schemas.openxmlformats.org/officeDocument/2006/relationships" xmlns:p="http://schemas.openxmlformats.org/presentationml/2006/main">
-  <p:cSld>
-    <p:spTree>
-      <p:nvGrpSpPr>
-        <p:cNvPr id="1" name=""/>
-        <p:cNvGrpSpPr/>
-        <p:nvPr/>
-      </p:nvGrpSpPr>
-      <p:grpSpPr>
-        <a:xfrm>
-          <a:off x="0" y="0"/>
-          <a:ext cx="0" cy="0"/>
-          <a:chOff x="0" y="0"/>
-          <a:chExt cx="0" cy="0"/>
-        </a:xfrm>
-      </p:grpSpPr>
-      <p:sp>
-        <p:nvSpPr>
-          <p:cNvPr id="2" name="Title 1"/>
-          <p:cNvSpPr>
-            <a:spLocks noGrp="1"/>
-          </p:cNvSpPr>
-          <p:nvPr>
-            <p:ph type="title"/>
-          </p:nvPr>
-        </p:nvSpPr>
-        <p:spPr/>
-        <p:txBody>
-          <a:bodyPr>
-            <a:normAutofit fontScale="90000"/>
-          </a:bodyPr>
-          <a:lstStyle/>
-          <a:p>
-            <a:r>
-              <a:rPr lang="ru-RU" dirty="0" smtClean="0"/>
-              <a:t>Бот для </a:t>
-            </a:r>
-            <a:r>
-              <a:rPr lang="en-US" dirty="0" smtClean="0"/>
-              <a:t>Telegram</a:t>
-            </a:r>
-            <a:br>
-              <a:rPr lang="en-US" dirty="0" smtClean="0"/>
-            </a:br>
-            <a:r>
-              <a:rPr lang="ru-RU" dirty="0" smtClean="0"/>
-              <a:t>Способы реализации</a:t>
-            </a:r>
-            <a:r>
-              <a:rPr lang="en-US" dirty="0" smtClean="0"/>
-              <a:t> </a:t>
-            </a:r>
-            <a:r>
-              <a:rPr lang="ru-RU" dirty="0" smtClean="0"/>
-              <a:t>сервиса</a:t>
-            </a:r>
-            <a:endParaRPr lang="en-US" dirty="0"/>
-          </a:p>
-        </p:txBody>
-      </p:sp>
-      <p:sp>
-        <p:nvSpPr>
-          <p:cNvPr id="9" name="Rectangle 8"/>
-          <p:cNvSpPr/>
-          <p:nvPr/>
-        </p:nvSpPr>
-        <p:spPr>
-          <a:xfrm>
-            <a:off x="457200" y="1600200"/>
-            <a:ext cx="8077200" cy="2585323"/>
-          </a:xfrm>
-          <a:prstGeom prst="rect">
-            <a:avLst/>
-          </a:prstGeom>
-        </p:spPr>
-        <p:txBody>
-          <a:bodyPr wrap="square">
-            <a:spAutoFit/>
-          </a:bodyPr>
-          <a:lstStyle/>
-          <a:p>
-            <a:r>
-              <a:rPr lang="en-US" dirty="0" smtClean="0"/>
-              <a:t>1.</a:t>
-            </a:r>
-            <a:r>
-              <a:rPr lang="ru-RU" dirty="0" smtClean="0"/>
-              <a:t> </a:t>
-            </a:r>
-            <a:endParaRPr lang="en-US" dirty="0" smtClean="0"/>
-          </a:p>
-          <a:p>
-            <a:r>
-              <a:rPr lang="ru-RU" dirty="0" err="1" smtClean="0"/>
-              <a:t>Самописное</a:t>
-            </a:r>
-            <a:r>
-              <a:rPr lang="ru-RU" dirty="0" smtClean="0"/>
-              <a:t> </a:t>
-            </a:r>
-            <a:r>
-              <a:rPr lang="en-US" dirty="0" smtClean="0"/>
-              <a:t>API</a:t>
-            </a:r>
-          </a:p>
-          <a:p>
-            <a:endParaRPr lang="en-US" dirty="0" smtClean="0"/>
-          </a:p>
-          <a:p>
-            <a:r>
-              <a:rPr lang="ru-RU" dirty="0" smtClean="0"/>
-              <a:t>2</a:t>
-            </a:r>
-            <a:r>
-              <a:rPr lang="en-US" dirty="0" smtClean="0"/>
-              <a:t>.</a:t>
-            </a:r>
-          </a:p>
-          <a:p>
-            <a:r>
-              <a:rPr lang="en-US" dirty="0" err="1" smtClean="0"/>
-              <a:t>Telegram.Bot</a:t>
-            </a:r>
-            <a:r>
-              <a:rPr lang="en-US" dirty="0" smtClean="0"/>
-              <a:t> </a:t>
-            </a:r>
-            <a:r>
-              <a:rPr lang="ru-RU" dirty="0" smtClean="0"/>
-              <a:t> готовое </a:t>
-            </a:r>
-            <a:r>
-              <a:rPr lang="en-US" dirty="0" smtClean="0"/>
-              <a:t>API</a:t>
-            </a:r>
-            <a:r>
-              <a:rPr lang="ru-RU" dirty="0" smtClean="0"/>
-              <a:t> на </a:t>
-            </a:r>
-            <a:r>
-              <a:rPr lang="en-US" dirty="0" err="1" smtClean="0"/>
-              <a:t>.Net</a:t>
-            </a:r>
-            <a:r>
-              <a:rPr lang="en-US" dirty="0" smtClean="0"/>
-              <a:t> </a:t>
-            </a:r>
-            <a:r>
-              <a:rPr lang="ru-RU" dirty="0" smtClean="0"/>
-              <a:t>(</a:t>
-            </a:r>
-            <a:r>
-              <a:rPr lang="en-US" dirty="0" err="1" smtClean="0"/>
-              <a:t>nuget</a:t>
-            </a:r>
-            <a:r>
-              <a:rPr lang="en-US" dirty="0" smtClean="0"/>
-              <a:t>-</a:t>
-            </a:r>
-            <a:r>
-              <a:rPr lang="ru-RU" dirty="0" smtClean="0"/>
-              <a:t>пакет </a:t>
-            </a:r>
-            <a:r>
-              <a:rPr lang="en-US" dirty="0" err="1" smtClean="0"/>
-              <a:t>Telegram.Bot</a:t>
-            </a:r>
-            <a:r>
-              <a:rPr lang="ru-RU" dirty="0" smtClean="0"/>
-              <a:t>)</a:t>
-            </a:r>
-          </a:p>
-          <a:p>
-            <a:r>
-              <a:rPr lang="en-US" dirty="0" smtClean="0">
-                <a:hlinkClick r:id="rId2"/>
-              </a:rPr>
-              <a:t>https://github.com/TelegramBots/telegram.bot</a:t>
-            </a:r>
-            <a:endParaRPr lang="ru-RU" dirty="0" smtClean="0"/>
-          </a:p>
-          <a:p>
-            <a:endParaRPr lang="ru-RU" dirty="0" smtClean="0"/>
-          </a:p>
-          <a:p>
-            <a:r>
-              <a:rPr lang="ru-RU" dirty="0" smtClean="0"/>
-              <a:t>3.</a:t>
-            </a:r>
-          </a:p>
-          <a:p>
-            <a:r>
-              <a:rPr lang="en-US" dirty="0" err="1" smtClean="0"/>
-              <a:t>Bot</a:t>
-            </a:r>
-            <a:r>
-              <a:rPr lang="en-US" dirty="0" smtClean="0"/>
-              <a:t> Builder SDK for .NET</a:t>
-            </a:r>
-            <a:r>
-              <a:rPr lang="ru-RU" dirty="0" smtClean="0"/>
-              <a:t> </a:t>
-            </a:r>
-            <a:r>
-              <a:rPr lang="en-US" dirty="0" smtClean="0"/>
-              <a:t>(</a:t>
-            </a:r>
-            <a:r>
-              <a:rPr lang="en-US" dirty="0" err="1" smtClean="0"/>
-              <a:t>nuget</a:t>
-            </a:r>
-            <a:r>
-              <a:rPr lang="ru-RU" dirty="0" smtClean="0"/>
-              <a:t>-пакет </a:t>
-            </a:r>
-            <a:r>
-              <a:rPr lang="en-US" dirty="0" err="1" smtClean="0"/>
-              <a:t>Microsoft.Bot.Builder</a:t>
-            </a:r>
-            <a:r>
-              <a:rPr lang="ru-RU" dirty="0" smtClean="0"/>
-              <a:t>)</a:t>
-            </a:r>
-            <a:endParaRPr lang="en-US" dirty="0" smtClean="0"/>
-          </a:p>
-        </p:txBody>
-      </p:sp>
-    </p:spTree>
-  </p:cSld>
-  <p:clrMapOvr>
-    <a:masterClrMapping/>
-  </p:clrMapOvr>
-  <p:timing>
-    <p:tnLst>
-      <p:par>
-        <p:cTn id="1" dur="indefinite" restart="never" nodeType="tmRoot"/>
-      </p:par>
-    </p:tnLst>
-  </p:timing>
-</p:sld>
-</file>
-
 <file path=ppt/slides/slide6.xml><?xml version="1.0" encoding="utf-8"?>
 <p:sld xmlns:a="http://schemas.openxmlformats.org/drawingml/2006/main" xmlns:r="http://schemas.openxmlformats.org/officeDocument/2006/relationships" xmlns:p="http://schemas.openxmlformats.org/presentationml/2006/main">
   <p:cSld>
@@ -7403,7 +7696,15 @@
             </a:r>
             <a:r>
               <a:rPr lang="en-US" dirty="0" smtClean="0"/>
-              <a:t>const string token = “32423425:fadf3434sdrfsdfsgdfgsdfRA";</a:t>
+              <a:t>const string token = “</a:t>
+            </a:r>
+            <a:r>
+              <a:rPr lang="en-US" dirty="0" smtClean="0"/>
+              <a:t>32423425:fadf343fRA</a:t>
+            </a:r>
+            <a:r>
+              <a:rPr lang="en-US" dirty="0" smtClean="0"/>
+              <a:t>";</a:t>
             </a:r>
           </a:p>
           <a:p>

--- a/Bot.pptx
+++ b/Bot.pptx
@@ -5,7 +5,7 @@
     <p:sldMasterId id="2147483648" r:id="rId1"/>
   </p:sldMasterIdLst>
   <p:notesMasterIdLst>
-    <p:notesMasterId r:id="rId20"/>
+    <p:notesMasterId r:id="rId22"/>
   </p:notesMasterIdLst>
   <p:sldIdLst>
     <p:sldId id="313" r:id="rId2"/>
@@ -25,7 +25,9 @@
     <p:sldId id="324" r:id="rId16"/>
     <p:sldId id="325" r:id="rId17"/>
     <p:sldId id="326" r:id="rId18"/>
-    <p:sldId id="312" r:id="rId19"/>
+    <p:sldId id="331" r:id="rId19"/>
+    <p:sldId id="312" r:id="rId20"/>
+    <p:sldId id="330" r:id="rId21"/>
   </p:sldIdLst>
   <p:sldSz cx="9144000" cy="6858000" type="screen4x3"/>
   <p:notesSz cx="6858000" cy="9144000"/>
@@ -4324,7 +4326,7 @@
         <p:spPr/>
         <p:txBody>
           <a:bodyPr>
-            <a:normAutofit/>
+            <a:normAutofit fontScale="90000"/>
           </a:bodyPr>
           <a:lstStyle/>
           <a:p>
@@ -4335,6 +4337,17 @@
             <a:r>
               <a:rPr lang="en-US" dirty="0" smtClean="0"/>
               <a:t>Framework</a:t>
+            </a:r>
+            <a:r>
+              <a:rPr lang="ru-RU" dirty="0" smtClean="0"/>
+              <a:t/>
+            </a:r>
+            <a:br>
+              <a:rPr lang="ru-RU" dirty="0" smtClean="0"/>
+            </a:br>
+            <a:r>
+              <a:rPr lang="ru-RU" dirty="0" smtClean="0"/>
+              <a:t>Введение</a:t>
             </a:r>
             <a:endParaRPr lang="en-US" dirty="0"/>
           </a:p>
@@ -4349,7 +4362,7 @@
         <p:spPr>
           <a:xfrm>
             <a:off x="457200" y="1600200"/>
-            <a:ext cx="8077200" cy="2739211"/>
+            <a:ext cx="8077200" cy="1969770"/>
           </a:xfrm>
           <a:prstGeom prst="rect">
             <a:avLst/>
@@ -4382,9 +4395,6 @@
             <a:endParaRPr lang="en-US" dirty="0" smtClean="0"/>
           </a:p>
           <a:p>
-            <a:endParaRPr lang="en-US" dirty="0" smtClean="0"/>
-          </a:p>
-          <a:p>
             <a:r>
               <a:rPr lang="ru-RU" dirty="0" smtClean="0"/>
               <a:t>Регистрация ботов</a:t>
@@ -4395,11 +4405,14 @@
               <a:rPr lang="en-US" dirty="0" smtClean="0">
                 <a:hlinkClick r:id="rId3"/>
               </a:rPr>
-              <a:t>https://dev.botframework.com/bots/new</a:t>
-            </a:r>
-            <a:endParaRPr lang="ru-RU" dirty="0" smtClean="0"/>
-          </a:p>
-          <a:p>
+              <a:t>https://</a:t>
+            </a:r>
+            <a:r>
+              <a:rPr lang="en-US" dirty="0" smtClean="0">
+                <a:hlinkClick r:id="rId3"/>
+              </a:rPr>
+              <a:t>dev.botframework.com/bots/new</a:t>
+            </a:r>
             <a:endParaRPr lang="ru-RU" sz="3200" dirty="0" smtClean="0"/>
           </a:p>
           <a:p>
@@ -4419,7 +4432,7 @@
         </p:nvSpPr>
         <p:spPr>
           <a:xfrm>
-            <a:off x="533400" y="4343400"/>
+            <a:off x="533400" y="3581400"/>
             <a:ext cx="8077200" cy="923330"/>
           </a:xfrm>
           <a:prstGeom prst="rect">
@@ -4457,59 +4470,58 @@
           <a:p>
             <a:pPr algn="ctr"/>
             <a:r>
-              <a:rPr lang="en-US" dirty="0" err="1" smtClean="0"/>
+              <a:rPr lang="en-US" b="1" dirty="0" smtClean="0"/>
               <a:t>Facebook</a:t>
             </a:r>
+          </a:p>
+          <a:p>
+            <a:pPr algn="ctr"/>
+            <a:r>
+              <a:rPr lang="en-US" dirty="0" err="1" smtClean="0"/>
+              <a:t>GroupMe</a:t>
+            </a:r>
             <a:endParaRPr lang="en-US" dirty="0" smtClean="0"/>
           </a:p>
           <a:p>
             <a:pPr algn="ctr"/>
             <a:r>
               <a:rPr lang="en-US" dirty="0" err="1" smtClean="0"/>
-              <a:t>GroupMe</a:t>
+              <a:t>Kik</a:t>
             </a:r>
             <a:endParaRPr lang="en-US" dirty="0" smtClean="0"/>
           </a:p>
           <a:p>
             <a:pPr algn="ctr"/>
             <a:r>
-              <a:rPr lang="en-US" dirty="0" err="1" smtClean="0"/>
-              <a:t>Kik</a:t>
-            </a:r>
-            <a:endParaRPr lang="en-US" dirty="0" smtClean="0"/>
+              <a:rPr lang="en-US" b="1" dirty="0" smtClean="0"/>
+              <a:t>Skype</a:t>
+            </a:r>
           </a:p>
           <a:p>
             <a:pPr algn="ctr"/>
             <a:r>
               <a:rPr lang="en-US" dirty="0" smtClean="0"/>
-              <a:t>Skype</a:t>
+              <a:t>Skype for Business</a:t>
             </a:r>
           </a:p>
           <a:p>
             <a:pPr algn="ctr"/>
             <a:r>
-              <a:rPr lang="en-US" dirty="0" smtClean="0"/>
-              <a:t>Skype for Business</a:t>
+              <a:rPr lang="en-US" b="1" dirty="0" smtClean="0"/>
+              <a:t>Slack</a:t>
             </a:r>
           </a:p>
           <a:p>
             <a:pPr algn="ctr"/>
             <a:r>
               <a:rPr lang="en-US" dirty="0" smtClean="0"/>
-              <a:t>Slack</a:t>
+              <a:t>SMS</a:t>
             </a:r>
           </a:p>
           <a:p>
             <a:pPr algn="ctr"/>
             <a:r>
-              <a:rPr lang="en-US" dirty="0" smtClean="0"/>
-              <a:t>SMS</a:t>
-            </a:r>
-          </a:p>
-          <a:p>
-            <a:pPr algn="ctr"/>
-            <a:r>
-              <a:rPr lang="en-US" dirty="0" smtClean="0"/>
+              <a:rPr lang="en-US" b="1" dirty="0" smtClean="0"/>
               <a:t>Microsoft Teams</a:t>
             </a:r>
           </a:p>
@@ -4535,6 +4547,107 @@
               <a:t>WebChat</a:t>
             </a:r>
             <a:endParaRPr lang="en-US" dirty="0" smtClean="0"/>
+          </a:p>
+        </p:txBody>
+      </p:sp>
+      <p:sp>
+        <p:nvSpPr>
+          <p:cNvPr id="7" name="Rectangle 6"/>
+          <p:cNvSpPr/>
+          <p:nvPr/>
+        </p:nvSpPr>
+        <p:spPr>
+          <a:xfrm>
+            <a:off x="533400" y="4648200"/>
+            <a:ext cx="8077200" cy="1969770"/>
+          </a:xfrm>
+          <a:prstGeom prst="rect">
+            <a:avLst/>
+          </a:prstGeom>
+        </p:spPr>
+        <p:txBody>
+          <a:bodyPr wrap="square">
+            <a:spAutoFit/>
+          </a:bodyPr>
+          <a:lstStyle/>
+          <a:p>
+            <a:pPr algn="ctr"/>
+            <a:r>
+              <a:rPr lang="ru-RU" sz="3200" dirty="0" smtClean="0"/>
+              <a:t>Недостатки</a:t>
+            </a:r>
+          </a:p>
+          <a:p>
+            <a:r>
+              <a:rPr lang="en-US" dirty="0" smtClean="0"/>
+              <a:t>1. </a:t>
+            </a:r>
+            <a:r>
+              <a:rPr lang="ru-RU" dirty="0" smtClean="0"/>
+              <a:t>Нет поддержки </a:t>
+            </a:r>
+            <a:r>
+              <a:rPr lang="en-US" dirty="0" err="1" smtClean="0"/>
+              <a:t>.Net</a:t>
+            </a:r>
+            <a:r>
+              <a:rPr lang="en-US" dirty="0" smtClean="0"/>
+              <a:t> Core</a:t>
+            </a:r>
+            <a:endParaRPr lang="ru-RU" dirty="0" smtClean="0"/>
+          </a:p>
+          <a:p>
+            <a:r>
+              <a:rPr lang="en-US" dirty="0" smtClean="0">
+                <a:hlinkClick r:id="rId4"/>
+              </a:rPr>
+              <a:t>https</a:t>
+            </a:r>
+            <a:r>
+              <a:rPr lang="en-US" dirty="0" smtClean="0">
+                <a:hlinkClick r:id="rId4"/>
+              </a:rPr>
+              <a:t>://</a:t>
+            </a:r>
+            <a:r>
+              <a:rPr lang="en-US" dirty="0" smtClean="0">
+                <a:hlinkClick r:id="rId4"/>
+              </a:rPr>
+              <a:t>github.com/Microsoft/BotBuilder/issues/572</a:t>
+            </a:r>
+            <a:endParaRPr lang="en-US" dirty="0" smtClean="0"/>
+          </a:p>
+          <a:p>
+            <a:r>
+              <a:rPr lang="en-US" dirty="0" smtClean="0">
+                <a:hlinkClick r:id="rId5"/>
+              </a:rPr>
+              <a:t>https://designprincipia.com/microsoft-bot-framework-on-asp-net-core</a:t>
+            </a:r>
+            <a:r>
+              <a:rPr lang="en-US" dirty="0" smtClean="0">
+                <a:hlinkClick r:id="rId5"/>
+              </a:rPr>
+              <a:t>/</a:t>
+            </a:r>
+            <a:endParaRPr lang="en-US" sz="3200" dirty="0" smtClean="0"/>
+          </a:p>
+          <a:p>
+            <a:endParaRPr lang="ru-RU" dirty="0" smtClean="0"/>
+          </a:p>
+          <a:p>
+            <a:r>
+              <a:rPr lang="en-US" dirty="0" smtClean="0"/>
+              <a:t>2. </a:t>
+            </a:r>
+            <a:r>
+              <a:rPr lang="ru-RU" dirty="0" smtClean="0"/>
+              <a:t>Сервис размещается на серверах </a:t>
+            </a:r>
+            <a:r>
+              <a:rPr lang="en-US" dirty="0" smtClean="0"/>
+              <a:t>Microsoft</a:t>
+            </a:r>
           </a:p>
         </p:txBody>
       </p:sp>
@@ -4627,7 +4740,7 @@
         </p:blipFill>
         <p:spPr bwMode="auto">
           <a:xfrm>
-            <a:off x="1676400" y="2209800"/>
+            <a:off x="1676400" y="2819400"/>
             <a:ext cx="5626806" cy="2209800"/>
           </a:xfrm>
           <a:prstGeom prst="rect">
@@ -4652,7 +4765,7 @@
         <p:spPr>
           <a:xfrm>
             <a:off x="457200" y="1600201"/>
-            <a:ext cx="8077200" cy="369332"/>
+            <a:ext cx="8077200" cy="923330"/>
           </a:xfrm>
           <a:prstGeom prst="rect">
             <a:avLst/>
@@ -4664,18 +4777,47 @@
           </a:bodyPr>
           <a:lstStyle/>
           <a:p>
-            <a:pPr algn="ctr"/>
-            <a:r>
-              <a:rPr lang="en-US" dirty="0" smtClean="0"/>
-              <a:t>Bot Builder SDK for .NET</a:t>
-            </a:r>
-            <a:r>
-              <a:rPr lang="ru-RU" dirty="0" smtClean="0"/>
-              <a:t> </a:t>
-            </a:r>
-            <a:r>
-              <a:rPr lang="en-US" dirty="0" smtClean="0"/>
-              <a:t>(</a:t>
+            <a:r>
+              <a:rPr lang="ru-RU" dirty="0" smtClean="0"/>
+              <a:t>Bot </a:t>
+            </a:r>
+            <a:r>
+              <a:rPr lang="ru-RU" dirty="0" err="1" smtClean="0"/>
+              <a:t>Builder</a:t>
+            </a:r>
+            <a:r>
+              <a:rPr lang="ru-RU" dirty="0" smtClean="0"/>
+              <a:t> SDK </a:t>
+            </a:r>
+            <a:r>
+              <a:rPr lang="ru-RU" dirty="0" smtClean="0"/>
+              <a:t>доступен </a:t>
+            </a:r>
+            <a:r>
+              <a:rPr lang="ru-RU" dirty="0" smtClean="0"/>
+              <a:t>для C# и для </a:t>
+            </a:r>
+            <a:r>
+              <a:rPr lang="ru-RU" dirty="0" err="1" smtClean="0"/>
+              <a:t>Node.js</a:t>
+            </a:r>
+            <a:endParaRPr lang="en-US" dirty="0" smtClean="0"/>
+          </a:p>
+          <a:p>
+            <a:endParaRPr lang="en-US" dirty="0" smtClean="0"/>
+          </a:p>
+          <a:p>
+            <a:r>
+              <a:rPr lang="ru-RU" dirty="0" smtClean="0"/>
+              <a:t>Для </a:t>
+            </a:r>
+            <a:r>
+              <a:rPr lang="en-US" dirty="0" smtClean="0"/>
+              <a:t>.NET</a:t>
+            </a:r>
+            <a:r>
+              <a:rPr lang="ru-RU" dirty="0" smtClean="0"/>
+              <a:t> ставится через </a:t>
             </a:r>
             <a:r>
               <a:rPr lang="en-US" dirty="0" err="1" smtClean="0"/>
@@ -4688,10 +4830,6 @@
             <a:r>
               <a:rPr lang="en-US" dirty="0" err="1" smtClean="0"/>
               <a:t>Microsoft.Bot.Builder</a:t>
-            </a:r>
-            <a:r>
-              <a:rPr lang="ru-RU" dirty="0" smtClean="0"/>
-              <a:t>)</a:t>
             </a:r>
             <a:endParaRPr lang="en-US" dirty="0" smtClean="0"/>
           </a:p>
@@ -5229,11 +5367,7 @@
             </a:br>
             <a:r>
               <a:rPr lang="ru-RU" dirty="0" smtClean="0"/>
-              <a:t>Обработка </a:t>
-            </a:r>
-            <a:r>
-              <a:rPr lang="ru-RU" dirty="0" smtClean="0"/>
-              <a:t>сообщений</a:t>
+              <a:t>Обработка сообщений</a:t>
             </a:r>
             <a:r>
               <a:rPr lang="en-US" dirty="0" smtClean="0"/>
@@ -5511,6 +5645,363 @@
 </file>
 
 <file path=ppt/slides/slide18.xml><?xml version="1.0" encoding="utf-8"?>
+<p:sld xmlns:a="http://schemas.openxmlformats.org/drawingml/2006/main" xmlns:r="http://schemas.openxmlformats.org/officeDocument/2006/relationships" xmlns:p="http://schemas.openxmlformats.org/presentationml/2006/main">
+  <p:cSld>
+    <p:spTree>
+      <p:nvGrpSpPr>
+        <p:cNvPr id="1" name=""/>
+        <p:cNvGrpSpPr/>
+        <p:nvPr/>
+      </p:nvGrpSpPr>
+      <p:grpSpPr>
+        <a:xfrm>
+          <a:off x="0" y="0"/>
+          <a:ext cx="0" cy="0"/>
+          <a:chOff x="0" y="0"/>
+          <a:chExt cx="0" cy="0"/>
+        </a:xfrm>
+      </p:grpSpPr>
+      <p:sp>
+        <p:nvSpPr>
+          <p:cNvPr id="2" name="Title 1"/>
+          <p:cNvSpPr>
+            <a:spLocks noGrp="1"/>
+          </p:cNvSpPr>
+          <p:nvPr>
+            <p:ph type="title"/>
+          </p:nvPr>
+        </p:nvSpPr>
+        <p:spPr/>
+        <p:txBody>
+          <a:bodyPr>
+            <a:normAutofit fontScale="90000"/>
+          </a:bodyPr>
+          <a:lstStyle/>
+          <a:p>
+            <a:r>
+              <a:rPr lang="en-US" dirty="0" smtClean="0"/>
+              <a:t>Bot Framework</a:t>
+            </a:r>
+            <a:br>
+              <a:rPr lang="en-US" dirty="0" smtClean="0"/>
+            </a:br>
+            <a:r>
+              <a:rPr lang="en-US" dirty="0" smtClean="0"/>
+              <a:t>Connector</a:t>
+            </a:r>
+            <a:endParaRPr lang="en-US" dirty="0"/>
+          </a:p>
+        </p:txBody>
+      </p:sp>
+      <p:sp>
+        <p:nvSpPr>
+          <p:cNvPr id="4" name="Rectangle 3"/>
+          <p:cNvSpPr/>
+          <p:nvPr/>
+        </p:nvSpPr>
+        <p:spPr>
+          <a:xfrm>
+            <a:off x="685800" y="1447800"/>
+            <a:ext cx="7772400" cy="5078313"/>
+          </a:xfrm>
+          <a:prstGeom prst="rect">
+            <a:avLst/>
+          </a:prstGeom>
+        </p:spPr>
+        <p:txBody>
+          <a:bodyPr wrap="square">
+            <a:spAutoFit/>
+          </a:bodyPr>
+          <a:lstStyle/>
+          <a:p>
+            <a:r>
+              <a:rPr lang="en-US" dirty="0" smtClean="0"/>
+              <a:t>Connector </a:t>
+            </a:r>
+            <a:r>
+              <a:rPr lang="ru-RU" dirty="0" smtClean="0"/>
+              <a:t>– </a:t>
+            </a:r>
+            <a:r>
+              <a:rPr lang="en-US" dirty="0" smtClean="0"/>
+              <a:t>API</a:t>
+            </a:r>
+            <a:r>
+              <a:rPr lang="ru-RU" dirty="0" smtClean="0"/>
+              <a:t>  обеспечивающее связь между разными каналами</a:t>
+            </a:r>
+            <a:endParaRPr lang="en-US" dirty="0" smtClean="0">
+              <a:hlinkClick r:id="rId2"/>
+            </a:endParaRPr>
+          </a:p>
+          <a:p>
+            <a:r>
+              <a:rPr lang="en-US" dirty="0" smtClean="0">
+                <a:hlinkClick r:id="rId2"/>
+              </a:rPr>
+              <a:t>https</a:t>
+            </a:r>
+            <a:r>
+              <a:rPr lang="en-US" dirty="0" smtClean="0">
+                <a:hlinkClick r:id="rId2"/>
+              </a:rPr>
+              <a:t>://</a:t>
+            </a:r>
+            <a:r>
+              <a:rPr lang="en-US" dirty="0" smtClean="0">
+                <a:hlinkClick r:id="rId2"/>
+              </a:rPr>
+              <a:t>docs.microsoft.com/en-us/bot-framework/dotnet/bot-builder-dotnet-connector</a:t>
+            </a:r>
+            <a:endParaRPr lang="en-US" dirty="0" smtClean="0"/>
+          </a:p>
+          <a:p>
+            <a:endParaRPr lang="en-US" dirty="0" smtClean="0"/>
+          </a:p>
+          <a:p>
+            <a:r>
+              <a:rPr lang="ru-RU" dirty="0" smtClean="0"/>
+              <a:t>    </a:t>
+            </a:r>
+            <a:r>
+              <a:rPr lang="en-US" dirty="0" smtClean="0"/>
+              <a:t>[Route("</a:t>
+            </a:r>
+            <a:r>
+              <a:rPr lang="en-US" dirty="0" err="1" smtClean="0"/>
+              <a:t>api</a:t>
+            </a:r>
+            <a:r>
+              <a:rPr lang="en-US" dirty="0" smtClean="0"/>
+              <a:t>/[controller]")]</a:t>
+            </a:r>
+          </a:p>
+          <a:p>
+            <a:r>
+              <a:rPr lang="en-US" dirty="0" smtClean="0"/>
+              <a:t>    [</a:t>
+            </a:r>
+            <a:r>
+              <a:rPr lang="en-US" dirty="0" err="1" smtClean="0"/>
+              <a:t>BotAuthentication</a:t>
+            </a:r>
+            <a:r>
+              <a:rPr lang="en-US" dirty="0" smtClean="0"/>
+              <a:t>]</a:t>
+            </a:r>
+          </a:p>
+          <a:p>
+            <a:r>
+              <a:rPr lang="en-US" dirty="0" smtClean="0"/>
+              <a:t>    public class </a:t>
+            </a:r>
+            <a:r>
+              <a:rPr lang="en-US" dirty="0" err="1" smtClean="0"/>
+              <a:t>MessagesController</a:t>
+            </a:r>
+            <a:r>
+              <a:rPr lang="en-US" dirty="0" smtClean="0"/>
+              <a:t> : Controller</a:t>
+            </a:r>
+          </a:p>
+          <a:p>
+            <a:r>
+              <a:rPr lang="en-US" dirty="0" smtClean="0"/>
+              <a:t>    {</a:t>
+            </a:r>
+          </a:p>
+          <a:p>
+            <a:r>
+              <a:rPr lang="en-US" dirty="0" smtClean="0"/>
+              <a:t>        [</a:t>
+            </a:r>
+            <a:r>
+              <a:rPr lang="en-US" dirty="0" err="1" smtClean="0"/>
+              <a:t>HttpPost</a:t>
+            </a:r>
+            <a:r>
+              <a:rPr lang="en-US" dirty="0" smtClean="0"/>
+              <a:t>]</a:t>
+            </a:r>
+          </a:p>
+          <a:p>
+            <a:r>
+              <a:rPr lang="en-US" dirty="0" smtClean="0"/>
+              <a:t>        public </a:t>
+            </a:r>
+            <a:r>
+              <a:rPr lang="en-US" dirty="0" err="1" smtClean="0"/>
+              <a:t>async</a:t>
+            </a:r>
+            <a:r>
+              <a:rPr lang="en-US" dirty="0" smtClean="0"/>
+              <a:t> Task&lt;</a:t>
+            </a:r>
+            <a:r>
+              <a:rPr lang="en-US" dirty="0" err="1" smtClean="0"/>
+              <a:t>HttpResponseMessage</a:t>
+            </a:r>
+            <a:r>
+              <a:rPr lang="en-US" dirty="0" smtClean="0"/>
+              <a:t>&gt; Post([</a:t>
+            </a:r>
+            <a:r>
+              <a:rPr lang="en-US" dirty="0" err="1" smtClean="0"/>
+              <a:t>FromBody</a:t>
+            </a:r>
+            <a:r>
+              <a:rPr lang="en-US" dirty="0" smtClean="0"/>
+              <a:t>]Activity </a:t>
+            </a:r>
+            <a:r>
+              <a:rPr lang="en-US" dirty="0" err="1" smtClean="0"/>
+              <a:t>activity</a:t>
+            </a:r>
+            <a:r>
+              <a:rPr lang="en-US" dirty="0" smtClean="0"/>
+              <a:t>)</a:t>
+            </a:r>
+          </a:p>
+          <a:p>
+            <a:r>
+              <a:rPr lang="en-US" dirty="0" smtClean="0"/>
+              <a:t>        {</a:t>
+            </a:r>
+          </a:p>
+          <a:p>
+            <a:r>
+              <a:rPr lang="en-US" dirty="0" smtClean="0"/>
+              <a:t>            </a:t>
+            </a:r>
+            <a:r>
+              <a:rPr lang="en-US" dirty="0" err="1" smtClean="0"/>
+              <a:t>var</a:t>
+            </a:r>
+            <a:r>
+              <a:rPr lang="en-US" dirty="0" smtClean="0"/>
+              <a:t> connector = new </a:t>
+            </a:r>
+            <a:r>
+              <a:rPr lang="en-US" dirty="0" err="1" smtClean="0"/>
+              <a:t>ConnectorClient</a:t>
+            </a:r>
+            <a:r>
+              <a:rPr lang="en-US" dirty="0" smtClean="0"/>
+              <a:t>(new Uri(</a:t>
+            </a:r>
+            <a:r>
+              <a:rPr lang="en-US" dirty="0" err="1" smtClean="0"/>
+              <a:t>activity.ServiceUrl</a:t>
+            </a:r>
+            <a:r>
+              <a:rPr lang="en-US" dirty="0" smtClean="0"/>
+              <a:t>));</a:t>
+            </a:r>
+          </a:p>
+          <a:p>
+            <a:r>
+              <a:rPr lang="en-US" dirty="0" smtClean="0"/>
+              <a:t>            </a:t>
+            </a:r>
+            <a:r>
+              <a:rPr lang="en-US" dirty="0" err="1" smtClean="0"/>
+              <a:t>var</a:t>
+            </a:r>
+            <a:r>
+              <a:rPr lang="en-US" dirty="0" smtClean="0"/>
+              <a:t> reply = </a:t>
+            </a:r>
+            <a:r>
+              <a:rPr lang="en-US" dirty="0" err="1" smtClean="0"/>
+              <a:t>activity.CreateReply</a:t>
+            </a:r>
+            <a:r>
+              <a:rPr lang="en-US" dirty="0" smtClean="0"/>
+              <a:t>(</a:t>
+            </a:r>
+            <a:r>
+              <a:rPr lang="en-US" dirty="0" err="1" smtClean="0"/>
+              <a:t>activity.Text</a:t>
+            </a:r>
+            <a:r>
+              <a:rPr lang="en-US" dirty="0" smtClean="0"/>
+              <a:t>);</a:t>
+            </a:r>
+          </a:p>
+          <a:p>
+            <a:r>
+              <a:rPr lang="en-US" dirty="0" smtClean="0"/>
+              <a:t>            await </a:t>
+            </a:r>
+            <a:r>
+              <a:rPr lang="en-US" dirty="0" err="1" smtClean="0"/>
+              <a:t>connector.Conversations.ReplyToActivityAsync</a:t>
+            </a:r>
+            <a:r>
+              <a:rPr lang="en-US" dirty="0" smtClean="0"/>
+              <a:t>(reply</a:t>
+            </a:r>
+            <a:r>
+              <a:rPr lang="en-US" dirty="0" smtClean="0"/>
+              <a:t>);</a:t>
+            </a:r>
+          </a:p>
+          <a:p>
+            <a:endParaRPr lang="en-US" dirty="0" smtClean="0"/>
+          </a:p>
+          <a:p>
+            <a:r>
+              <a:rPr lang="en-US" dirty="0" smtClean="0"/>
+              <a:t>            return new </a:t>
+            </a:r>
+            <a:r>
+              <a:rPr lang="en-US" dirty="0" err="1" smtClean="0"/>
+              <a:t>HttpResponseMessage</a:t>
+            </a:r>
+            <a:r>
+              <a:rPr lang="en-US" dirty="0" smtClean="0"/>
+              <a:t>(</a:t>
+            </a:r>
+            <a:r>
+              <a:rPr lang="en-US" dirty="0" err="1" smtClean="0"/>
+              <a:t>HttpStatusCode.OK</a:t>
+            </a:r>
+            <a:r>
+              <a:rPr lang="en-US" dirty="0" smtClean="0"/>
+              <a:t>);</a:t>
+            </a:r>
+          </a:p>
+          <a:p>
+            <a:r>
+              <a:rPr lang="en-US" dirty="0" smtClean="0"/>
+              <a:t>        }        </a:t>
+            </a:r>
+          </a:p>
+          <a:p>
+            <a:r>
+              <a:rPr lang="en-US" dirty="0" smtClean="0"/>
+              <a:t>    }</a:t>
+            </a:r>
+            <a:endParaRPr lang="en-US" dirty="0"/>
+          </a:p>
+        </p:txBody>
+      </p:sp>
+    </p:spTree>
+  </p:cSld>
+  <p:clrMapOvr>
+    <a:masterClrMapping/>
+  </p:clrMapOvr>
+  <p:timing>
+    <p:tnLst>
+      <p:par>
+        <p:cTn id="1" dur="indefinite" restart="never" nodeType="tmRoot"/>
+      </p:par>
+    </p:tnLst>
+  </p:timing>
+</p:sld>
+</file>
+
+<file path=ppt/slides/slide19.xml><?xml version="1.0" encoding="utf-8"?>
 <p:sld xmlns:a="http://schemas.openxmlformats.org/drawingml/2006/main" xmlns:r="http://schemas.openxmlformats.org/officeDocument/2006/relationships" xmlns:p="http://schemas.openxmlformats.org/presentationml/2006/main">
   <p:cSld>
     <p:bg>
@@ -5890,6 +6381,309 @@
               <a:rPr lang="ru-RU" dirty="0" smtClean="0"/>
               <a:t>(Нейронные сети и другие технологии)</a:t>
             </a:r>
+          </a:p>
+        </p:txBody>
+      </p:sp>
+    </p:spTree>
+  </p:cSld>
+  <p:clrMapOvr>
+    <a:masterClrMapping/>
+  </p:clrMapOvr>
+  <p:timing>
+    <p:tnLst>
+      <p:par>
+        <p:cTn id="1" dur="indefinite" restart="never" nodeType="tmRoot"/>
+      </p:par>
+    </p:tnLst>
+  </p:timing>
+</p:sld>
+</file>
+
+<file path=ppt/slides/slide20.xml><?xml version="1.0" encoding="utf-8"?>
+<p:sld xmlns:a="http://schemas.openxmlformats.org/drawingml/2006/main" xmlns:r="http://schemas.openxmlformats.org/officeDocument/2006/relationships" xmlns:p="http://schemas.openxmlformats.org/presentationml/2006/main">
+  <p:cSld>
+    <p:bg>
+      <p:bgPr>
+        <a:blipFill dpi="0" rotWithShape="1">
+          <a:blip r:embed="rId2">
+            <a:lum/>
+          </a:blip>
+          <a:srcRect/>
+          <a:stretch>
+            <a:fillRect/>
+          </a:stretch>
+        </a:blipFill>
+        <a:effectLst/>
+      </p:bgPr>
+    </p:bg>
+    <p:spTree>
+      <p:nvGrpSpPr>
+        <p:cNvPr id="1" name=""/>
+        <p:cNvGrpSpPr/>
+        <p:nvPr/>
+      </p:nvGrpSpPr>
+      <p:grpSpPr>
+        <a:xfrm>
+          <a:off x="0" y="0"/>
+          <a:ext cx="0" cy="0"/>
+          <a:chOff x="0" y="0"/>
+          <a:chExt cx="0" cy="0"/>
+        </a:xfrm>
+      </p:grpSpPr>
+      <p:sp>
+        <p:nvSpPr>
+          <p:cNvPr id="2" name="Title 1"/>
+          <p:cNvSpPr>
+            <a:spLocks noGrp="1"/>
+          </p:cNvSpPr>
+          <p:nvPr>
+            <p:ph type="title"/>
+          </p:nvPr>
+        </p:nvSpPr>
+        <p:spPr/>
+        <p:txBody>
+          <a:bodyPr>
+            <a:normAutofit/>
+          </a:bodyPr>
+          <a:lstStyle/>
+          <a:p>
+            <a:r>
+              <a:rPr lang="ru-RU" dirty="0" smtClean="0"/>
+              <a:t>Ссылки</a:t>
+            </a:r>
+            <a:endParaRPr lang="en-US" dirty="0"/>
+          </a:p>
+        </p:txBody>
+      </p:sp>
+      <p:sp>
+        <p:nvSpPr>
+          <p:cNvPr id="4" name="Rectangle 3"/>
+          <p:cNvSpPr/>
+          <p:nvPr/>
+        </p:nvSpPr>
+        <p:spPr>
+          <a:xfrm>
+            <a:off x="685800" y="1447800"/>
+            <a:ext cx="7772400" cy="5078313"/>
+          </a:xfrm>
+          <a:prstGeom prst="rect">
+            <a:avLst/>
+          </a:prstGeom>
+        </p:spPr>
+        <p:txBody>
+          <a:bodyPr wrap="square">
+            <a:spAutoFit/>
+          </a:bodyPr>
+          <a:lstStyle/>
+          <a:p>
+            <a:r>
+              <a:rPr lang="ru-RU" dirty="0" smtClean="0"/>
+              <a:t>Создание приложения для </a:t>
+            </a:r>
+            <a:r>
+              <a:rPr lang="en-US" dirty="0" smtClean="0"/>
+              <a:t>Facebook </a:t>
+            </a:r>
+            <a:r>
+              <a:rPr lang="en-US" dirty="0" smtClean="0"/>
+              <a:t>messenger</a:t>
+            </a:r>
+            <a:endParaRPr lang="en-US" dirty="0" smtClean="0">
+              <a:hlinkClick r:id="rId3"/>
+            </a:endParaRPr>
+          </a:p>
+          <a:p>
+            <a:r>
+              <a:rPr lang="en-US" dirty="0" smtClean="0">
+                <a:hlinkClick r:id="rId4"/>
+              </a:rPr>
+              <a:t>https</a:t>
+            </a:r>
+            <a:r>
+              <a:rPr lang="en-US" dirty="0" smtClean="0">
+                <a:hlinkClick r:id="rId4"/>
+              </a:rPr>
+              <a:t>://</a:t>
+            </a:r>
+            <a:r>
+              <a:rPr lang="en-US" dirty="0" smtClean="0">
+                <a:hlinkClick r:id="rId4"/>
+              </a:rPr>
+              <a:t>developers.facebook.com/docs/messenger-platform/getting-started/quick-start</a:t>
+            </a:r>
+            <a:endParaRPr lang="ru-RU" dirty="0" smtClean="0"/>
+          </a:p>
+          <a:p>
+            <a:r>
+              <a:rPr lang="en-US" dirty="0" smtClean="0"/>
+              <a:t>Facebook Chatbot in </a:t>
+            </a:r>
+            <a:r>
+              <a:rPr lang="en-US" dirty="0" smtClean="0"/>
+              <a:t>ASP.NET</a:t>
+            </a:r>
+          </a:p>
+          <a:p>
+            <a:r>
+              <a:rPr lang="en-US" dirty="0" smtClean="0">
+                <a:hlinkClick r:id="rId5"/>
+              </a:rPr>
+              <a:t>https://</a:t>
+            </a:r>
+            <a:r>
+              <a:rPr lang="en-US" dirty="0" smtClean="0">
+                <a:hlinkClick r:id="rId5"/>
+              </a:rPr>
+              <a:t>tutorials.botsfloor.com/facebook-chatbot-in-asp-net-2f9379a238b0</a:t>
+            </a:r>
+            <a:endParaRPr lang="en-US" dirty="0" smtClean="0"/>
+          </a:p>
+          <a:p>
+            <a:endParaRPr lang="en-US" dirty="0" smtClean="0"/>
+          </a:p>
+          <a:p>
+            <a:r>
+              <a:rPr lang="ru-RU" dirty="0" smtClean="0"/>
+              <a:t>Создание бота в контакте</a:t>
+            </a:r>
+            <a:r>
+              <a:rPr lang="en-US" dirty="0" smtClean="0"/>
+              <a:t> </a:t>
+            </a:r>
+            <a:r>
+              <a:rPr lang="ru-RU" dirty="0" smtClean="0"/>
+              <a:t>(для сообществ)</a:t>
+            </a:r>
+          </a:p>
+          <a:p>
+            <a:r>
+              <a:rPr lang="en-US" dirty="0" smtClean="0">
+                <a:hlinkClick r:id="rId6"/>
+              </a:rPr>
+              <a:t>https://</a:t>
+            </a:r>
+            <a:r>
+              <a:rPr lang="en-US" dirty="0" smtClean="0">
+                <a:hlinkClick r:id="rId6"/>
+              </a:rPr>
+              <a:t>vk.com/dev/bots</a:t>
+            </a:r>
+            <a:endParaRPr lang="ru-RU" dirty="0" smtClean="0"/>
+          </a:p>
+          <a:p>
+            <a:r>
+              <a:rPr lang="en-US" dirty="0" smtClean="0">
+                <a:hlinkClick r:id="rId7"/>
+              </a:rPr>
+              <a:t>https://</a:t>
+            </a:r>
+            <a:r>
+              <a:rPr lang="en-US" dirty="0" smtClean="0">
+                <a:hlinkClick r:id="rId7"/>
+              </a:rPr>
+              <a:t>vk.com/dev/bots_docs</a:t>
+            </a:r>
+            <a:endParaRPr lang="en-US" dirty="0" smtClean="0"/>
+          </a:p>
+          <a:p>
+            <a:endParaRPr lang="en-US" dirty="0" smtClean="0"/>
+          </a:p>
+          <a:p>
+            <a:r>
+              <a:rPr lang="ru-RU" dirty="0" smtClean="0"/>
+              <a:t>Сводная страница информации по ботам в </a:t>
+            </a:r>
+            <a:r>
+              <a:rPr lang="en-US" dirty="0" err="1" smtClean="0"/>
+              <a:t>Viber</a:t>
+            </a:r>
+            <a:endParaRPr lang="en-US" dirty="0" smtClean="0"/>
+          </a:p>
+          <a:p>
+            <a:r>
+              <a:rPr lang="en-US" dirty="0" smtClean="0">
+                <a:hlinkClick r:id="rId8"/>
+              </a:rPr>
+              <a:t>https://habrahabr.ru/post/338970</a:t>
+            </a:r>
+            <a:r>
+              <a:rPr lang="en-US" dirty="0" smtClean="0">
+                <a:hlinkClick r:id="rId8"/>
+              </a:rPr>
+              <a:t>/</a:t>
+            </a:r>
+            <a:endParaRPr lang="en-US" dirty="0" smtClean="0"/>
+          </a:p>
+          <a:p>
+            <a:endParaRPr lang="en-US" dirty="0" smtClean="0"/>
+          </a:p>
+          <a:p>
+            <a:r>
+              <a:rPr lang="ru-RU" dirty="0" smtClean="0"/>
+              <a:t>Сводная информация о разработке ботов </a:t>
+            </a:r>
+            <a:r>
+              <a:rPr lang="ru-RU" dirty="0" smtClean="0"/>
+              <a:t>для Telegram и </a:t>
+            </a:r>
+            <a:r>
+              <a:rPr lang="ru-RU" dirty="0" err="1" smtClean="0"/>
+              <a:t>Slack</a:t>
+            </a:r>
+            <a:r>
+              <a:rPr lang="ru-RU" dirty="0" smtClean="0"/>
+              <a:t> на </a:t>
+            </a:r>
+            <a:r>
+              <a:rPr lang="en-US" dirty="0" smtClean="0"/>
+              <a:t>PHP</a:t>
+            </a:r>
+          </a:p>
+          <a:p>
+            <a:r>
+              <a:rPr lang="en-US" u="sng" dirty="0" smtClean="0">
+                <a:hlinkClick r:id="rId9"/>
+              </a:rPr>
+              <a:t>https://habrahabr.ru/company/cleantalk/blog/302870/</a:t>
+            </a:r>
+            <a:r>
+              <a:rPr lang="en-US" dirty="0" smtClean="0"/>
+              <a:t> </a:t>
+            </a:r>
+            <a:endParaRPr lang="ru-RU" dirty="0" smtClean="0"/>
+          </a:p>
+          <a:p>
+            <a:endParaRPr lang="ru-RU" dirty="0" smtClean="0"/>
+          </a:p>
+          <a:p>
+            <a:r>
+              <a:rPr lang="ru-RU" dirty="0" err="1" smtClean="0"/>
+              <a:t>ChatOps</a:t>
+            </a:r>
+            <a:r>
+              <a:rPr lang="ru-RU" dirty="0" smtClean="0"/>
+              <a:t>: управление инфраструктурой из </a:t>
+            </a:r>
+            <a:r>
+              <a:rPr lang="ru-RU" dirty="0" err="1" smtClean="0"/>
+              <a:t>мессенджера</a:t>
+            </a:r>
+            <a:endParaRPr lang="ru-RU" dirty="0" smtClean="0"/>
+          </a:p>
+          <a:p>
+            <a:r>
+              <a:rPr lang="en-US" dirty="0" smtClean="0">
+                <a:hlinkClick r:id="rId10"/>
+              </a:rPr>
+              <a:t>https://</a:t>
+            </a:r>
+            <a:r>
+              <a:rPr lang="en-US" dirty="0" smtClean="0">
+                <a:hlinkClick r:id="rId10"/>
+              </a:rPr>
+              <a:t>www.youtube.com/watch?v=Ikt3e4j2cEc</a:t>
+            </a:r>
+            <a:endParaRPr lang="ru-RU" dirty="0" smtClean="0"/>
           </a:p>
         </p:txBody>
       </p:sp>

--- a/Bot.pptx
+++ b/Bot.pptx
@@ -3493,11 +3493,7 @@
             </a:br>
             <a:r>
               <a:rPr lang="ru-RU" dirty="0" smtClean="0"/>
-              <a:t>способы их </a:t>
-            </a:r>
-            <a:r>
-              <a:rPr lang="ru-RU" dirty="0" smtClean="0"/>
-              <a:t>создания</a:t>
+              <a:t>способы их создания</a:t>
             </a:r>
             <a:br>
               <a:rPr lang="ru-RU" dirty="0" smtClean="0"/>
@@ -4023,19 +4019,19 @@
               <a:t>после запуска сервиса, выполнить команду </a:t>
             </a:r>
             <a:r>
-              <a:rPr lang="en-US" b="1" dirty="0" smtClean="0"/>
-              <a:t>start </a:t>
-            </a:r>
-            <a:r>
               <a:rPr lang="en-US" b="1" dirty="0" err="1" smtClean="0"/>
               <a:t>ngrok</a:t>
             </a:r>
             <a:r>
               <a:rPr lang="en-US" b="1" dirty="0" smtClean="0"/>
-              <a:t> on port </a:t>
-            </a:r>
-            <a:r>
-              <a:rPr lang="ru-RU" b="1" dirty="0" err="1" smtClean="0"/>
+              <a:t> </a:t>
+            </a:r>
+            <a:r>
+              <a:rPr lang="en-US" b="1" smtClean="0"/>
+              <a:t>http </a:t>
+            </a:r>
+            <a:r>
+              <a:rPr lang="ru-RU" b="1" smtClean="0"/>
               <a:t>портсервиса</a:t>
             </a:r>
             <a:endParaRPr lang="en-US" b="1" dirty="0" smtClean="0"/>
@@ -4332,11 +4328,7 @@
           <a:p>
             <a:r>
               <a:rPr lang="en-US" dirty="0" smtClean="0"/>
-              <a:t>Bot </a:t>
-            </a:r>
-            <a:r>
-              <a:rPr lang="en-US" dirty="0" smtClean="0"/>
-              <a:t>Framework</a:t>
+              <a:t>Bot Framework</a:t>
             </a:r>
             <a:r>
               <a:rPr lang="ru-RU" dirty="0" smtClean="0"/>
@@ -4384,13 +4376,7 @@
               <a:rPr lang="en-US" dirty="0" smtClean="0">
                 <a:hlinkClick r:id="rId2"/>
               </a:rPr>
-              <a:t>https://</a:t>
-            </a:r>
-            <a:r>
-              <a:rPr lang="en-US" dirty="0" smtClean="0">
-                <a:hlinkClick r:id="rId2"/>
-              </a:rPr>
-              <a:t>docs.microsoft.com/en-us/bot-framework/overview-introduction-bot-framework</a:t>
+              <a:t>https://docs.microsoft.com/en-us/bot-framework/overview-introduction-bot-framework</a:t>
             </a:r>
             <a:endParaRPr lang="en-US" dirty="0" smtClean="0"/>
           </a:p>
@@ -4405,13 +4391,7 @@
               <a:rPr lang="en-US" dirty="0" smtClean="0">
                 <a:hlinkClick r:id="rId3"/>
               </a:rPr>
-              <a:t>https://</a:t>
-            </a:r>
-            <a:r>
-              <a:rPr lang="en-US" dirty="0" smtClean="0">
-                <a:hlinkClick r:id="rId3"/>
-              </a:rPr>
-              <a:t>dev.botframework.com/bots/new</a:t>
+              <a:t>https://dev.botframework.com/bots/new</a:t>
             </a:r>
             <a:endParaRPr lang="ru-RU" sz="3200" dirty="0" smtClean="0"/>
           </a:p>
@@ -4450,7 +4430,6 @@
               <a:rPr lang="en-US" dirty="0" smtClean="0"/>
               <a:t>Bing</a:t>
             </a:r>
-            <a:endParaRPr lang="en-US" dirty="0" smtClean="0"/>
           </a:p>
           <a:p>
             <a:pPr algn="ctr"/>
@@ -4601,19 +4580,7 @@
               <a:rPr lang="en-US" dirty="0" smtClean="0">
                 <a:hlinkClick r:id="rId4"/>
               </a:rPr>
-              <a:t>https</a:t>
-            </a:r>
-            <a:r>
-              <a:rPr lang="en-US" dirty="0" smtClean="0">
-                <a:hlinkClick r:id="rId4"/>
-              </a:rPr>
-              <a:t>://</a:t>
-            </a:r>
-            <a:r>
-              <a:rPr lang="en-US" dirty="0" smtClean="0">
-                <a:hlinkClick r:id="rId4"/>
-              </a:rPr>
-              <a:t>github.com/Microsoft/BotBuilder/issues/572</a:t>
+              <a:t>https://github.com/Microsoft/BotBuilder/issues/572</a:t>
             </a:r>
             <a:endParaRPr lang="en-US" dirty="0" smtClean="0"/>
           </a:p>
@@ -4622,13 +4589,7 @@
               <a:rPr lang="en-US" dirty="0" smtClean="0">
                 <a:hlinkClick r:id="rId5"/>
               </a:rPr>
-              <a:t>https://designprincipia.com/microsoft-bot-framework-on-asp-net-core</a:t>
-            </a:r>
-            <a:r>
-              <a:rPr lang="en-US" dirty="0" smtClean="0">
-                <a:hlinkClick r:id="rId5"/>
-              </a:rPr>
-              <a:t>/</a:t>
+              <a:t>https://designprincipia.com/microsoft-bot-framework-on-asp-net-core/</a:t>
             </a:r>
             <a:endParaRPr lang="en-US" sz="3200" dirty="0" smtClean="0"/>
           </a:p>
@@ -4702,11 +4663,7 @@
           <a:p>
             <a:r>
               <a:rPr lang="en-US" dirty="0" smtClean="0"/>
-              <a:t>Bot </a:t>
-            </a:r>
-            <a:r>
-              <a:rPr lang="en-US" dirty="0" smtClean="0"/>
-              <a:t>Framework</a:t>
+              <a:t>Bot Framework</a:t>
             </a:r>
             <a:r>
               <a:rPr lang="ru-RU" dirty="0" smtClean="0"/>
@@ -4787,15 +4744,7 @@
             </a:r>
             <a:r>
               <a:rPr lang="ru-RU" dirty="0" smtClean="0"/>
-              <a:t> SDK </a:t>
-            </a:r>
-            <a:r>
-              <a:rPr lang="ru-RU" dirty="0" smtClean="0"/>
-              <a:t>доступен </a:t>
-            </a:r>
-            <a:r>
-              <a:rPr lang="ru-RU" dirty="0" smtClean="0"/>
-              <a:t>для C# и для </a:t>
+              <a:t> SDK доступен для C# и для </a:t>
             </a:r>
             <a:r>
               <a:rPr lang="ru-RU" dirty="0" err="1" smtClean="0"/>
@@ -5003,13 +4952,7 @@
               <a:rPr lang="en-US" dirty="0" smtClean="0">
                 <a:hlinkClick r:id="rId4"/>
               </a:rPr>
-              <a:t>https</a:t>
-            </a:r>
-            <a:r>
-              <a:rPr lang="en-US" dirty="0" smtClean="0">
-                <a:hlinkClick r:id="rId4"/>
-              </a:rPr>
-              <a:t>://github.com/Microsoft/BotFramework-Emulator</a:t>
+              <a:t>https://github.com/Microsoft/BotFramework-Emulator</a:t>
             </a:r>
             <a:endParaRPr lang="en-US" dirty="0" smtClean="0"/>
           </a:p>
@@ -5739,19 +5682,7 @@
               <a:rPr lang="en-US" dirty="0" smtClean="0">
                 <a:hlinkClick r:id="rId2"/>
               </a:rPr>
-              <a:t>https</a:t>
-            </a:r>
-            <a:r>
-              <a:rPr lang="en-US" dirty="0" smtClean="0">
-                <a:hlinkClick r:id="rId2"/>
-              </a:rPr>
-              <a:t>://</a:t>
-            </a:r>
-            <a:r>
-              <a:rPr lang="en-US" dirty="0" smtClean="0">
-                <a:hlinkClick r:id="rId2"/>
-              </a:rPr>
-              <a:t>docs.microsoft.com/en-us/bot-framework/dotnet/bot-builder-dotnet-connector</a:t>
+              <a:t>https://docs.microsoft.com/en-us/bot-framework/dotnet/bot-builder-dotnet-connector</a:t>
             </a:r>
             <a:endParaRPr lang="en-US" dirty="0" smtClean="0"/>
           </a:p>
@@ -5939,11 +5870,7 @@
             </a:r>
             <a:r>
               <a:rPr lang="en-US" dirty="0" smtClean="0"/>
-              <a:t>(reply</a:t>
-            </a:r>
-            <a:r>
-              <a:rPr lang="en-US" dirty="0" smtClean="0"/>
-              <a:t>);</a:t>
+              <a:t>(reply);</a:t>
             </a:r>
           </a:p>
           <a:p>
@@ -6066,7 +5993,7 @@
         <p:spPr>
           <a:xfrm>
             <a:off x="685800" y="1447800"/>
-            <a:ext cx="7772400" cy="4801314"/>
+            <a:ext cx="7772400" cy="4247317"/>
           </a:xfrm>
           <a:prstGeom prst="rect">
             <a:avLst/>
@@ -6094,9 +6021,6 @@
               </a:rPr>
               <a:t>https://github.com/TelegramBots/telegram.bot.examples</a:t>
             </a:r>
-            <a:endParaRPr lang="en-US" dirty="0" smtClean="0"/>
-          </a:p>
-          <a:p>
             <a:endParaRPr lang="ru-RU" dirty="0" smtClean="0"/>
           </a:p>
           <a:p>
@@ -6122,17 +6046,8 @@
               <a:rPr lang="en-US" u="sng" dirty="0" smtClean="0">
                 <a:hlinkClick r:id="rId4"/>
               </a:rPr>
-              <a:t>http://aftamat4ik.ru/pishem-bota-telegram-na-c</a:t>
-            </a:r>
-            <a:r>
-              <a:rPr lang="en-US" u="sng" dirty="0" smtClean="0">
-                <a:hlinkClick r:id="rId4"/>
-              </a:rPr>
-              <a:t>/</a:t>
-            </a:r>
-            <a:endParaRPr lang="ru-RU" u="sng" dirty="0" smtClean="0"/>
-          </a:p>
-          <a:p>
+              <a:t>http://aftamat4ik.ru/pishem-bota-telegram-na-c/</a:t>
+            </a:r>
             <a:endParaRPr lang="en-US" u="sng" dirty="0" smtClean="0"/>
           </a:p>
           <a:p>
@@ -6157,11 +6072,7 @@
           <a:p>
             <a:r>
               <a:rPr lang="en-US" dirty="0" smtClean="0"/>
-              <a:t>Microsoft Bot </a:t>
-            </a:r>
-            <a:r>
-              <a:rPr lang="en-US" dirty="0" smtClean="0"/>
-              <a:t>Framework (</a:t>
+              <a:t>Microsoft Bot Framework (</a:t>
             </a:r>
             <a:r>
               <a:rPr lang="ru-RU" dirty="0" smtClean="0"/>
@@ -6179,9 +6090,6 @@
             <a:endParaRPr lang="en-US" dirty="0" smtClean="0"/>
           </a:p>
           <a:p>
-            <a:endParaRPr lang="en-US" dirty="0" smtClean="0"/>
-          </a:p>
-          <a:p>
             <a:r>
               <a:rPr lang="ru-RU" dirty="0" smtClean="0"/>
               <a:t>Цикл видео по </a:t>
@@ -6198,6 +6106,9 @@
               </a:rPr>
               <a:t>https://www.youtube.com/playlist?list=PLgF-CyaX1p3FE55OTRNH-kOb16zqeBZCo</a:t>
             </a:r>
+            <a:endParaRPr lang="en-US" dirty="0" smtClean="0"/>
+          </a:p>
+          <a:p>
             <a:endParaRPr lang="ru-RU" dirty="0" smtClean="0"/>
           </a:p>
           <a:p>
@@ -6357,7 +6268,6 @@
               <a:rPr lang="ru-RU" dirty="0" smtClean="0"/>
               <a:t>на основе письма об ошибке)</a:t>
             </a:r>
-            <a:endParaRPr lang="ru-RU" dirty="0" smtClean="0"/>
           </a:p>
           <a:p>
             <a:endParaRPr lang="ru-RU" dirty="0" smtClean="0"/>
@@ -6482,11 +6392,7 @@
             </a:r>
             <a:r>
               <a:rPr lang="en-US" dirty="0" smtClean="0"/>
-              <a:t>Facebook </a:t>
-            </a:r>
-            <a:r>
-              <a:rPr lang="en-US" dirty="0" smtClean="0"/>
-              <a:t>messenger</a:t>
+              <a:t>Facebook messenger</a:t>
             </a:r>
             <a:endParaRPr lang="en-US" dirty="0" smtClean="0">
               <a:hlinkClick r:id="rId3"/>
@@ -6497,30 +6403,14 @@
               <a:rPr lang="en-US" dirty="0" smtClean="0">
                 <a:hlinkClick r:id="rId4"/>
               </a:rPr>
-              <a:t>https</a:t>
-            </a:r>
-            <a:r>
-              <a:rPr lang="en-US" dirty="0" smtClean="0">
-                <a:hlinkClick r:id="rId4"/>
-              </a:rPr>
-              <a:t>://</a:t>
-            </a:r>
-            <a:r>
-              <a:rPr lang="en-US" dirty="0" smtClean="0">
-                <a:hlinkClick r:id="rId4"/>
-              </a:rPr>
-              <a:t>developers.facebook.com/docs/messenger-platform/getting-started/quick-start</a:t>
+              <a:t>https://developers.facebook.com/docs/messenger-platform/getting-started/quick-start</a:t>
             </a:r>
             <a:endParaRPr lang="ru-RU" dirty="0" smtClean="0"/>
           </a:p>
           <a:p>
             <a:r>
               <a:rPr lang="en-US" dirty="0" smtClean="0"/>
-              <a:t>Facebook Chatbot in </a:t>
-            </a:r>
-            <a:r>
-              <a:rPr lang="en-US" dirty="0" smtClean="0"/>
-              <a:t>ASP.NET</a:t>
+              <a:t>Facebook Chatbot in ASP.NET</a:t>
             </a:r>
           </a:p>
           <a:p>
@@ -6528,13 +6418,7 @@
               <a:rPr lang="en-US" dirty="0" smtClean="0">
                 <a:hlinkClick r:id="rId5"/>
               </a:rPr>
-              <a:t>https://</a:t>
-            </a:r>
-            <a:r>
-              <a:rPr lang="en-US" dirty="0" smtClean="0">
-                <a:hlinkClick r:id="rId5"/>
-              </a:rPr>
-              <a:t>tutorials.botsfloor.com/facebook-chatbot-in-asp-net-2f9379a238b0</a:t>
+              <a:t>https://tutorials.botsfloor.com/facebook-chatbot-in-asp-net-2f9379a238b0</a:t>
             </a:r>
             <a:endParaRPr lang="en-US" dirty="0" smtClean="0"/>
           </a:p>
@@ -6560,13 +6444,7 @@
               <a:rPr lang="en-US" dirty="0" smtClean="0">
                 <a:hlinkClick r:id="rId6"/>
               </a:rPr>
-              <a:t>https://</a:t>
-            </a:r>
-            <a:r>
-              <a:rPr lang="en-US" dirty="0" smtClean="0">
-                <a:hlinkClick r:id="rId6"/>
-              </a:rPr>
-              <a:t>vk.com/dev/bots</a:t>
+              <a:t>https://vk.com/dev/bots</a:t>
             </a:r>
             <a:endParaRPr lang="ru-RU" dirty="0" smtClean="0"/>
           </a:p>
@@ -6575,13 +6453,7 @@
               <a:rPr lang="en-US" dirty="0" smtClean="0">
                 <a:hlinkClick r:id="rId7"/>
               </a:rPr>
-              <a:t>https://</a:t>
-            </a:r>
-            <a:r>
-              <a:rPr lang="en-US" dirty="0" smtClean="0">
-                <a:hlinkClick r:id="rId7"/>
-              </a:rPr>
-              <a:t>vk.com/dev/bots_docs</a:t>
+              <a:t>https://vk.com/dev/bots_docs</a:t>
             </a:r>
             <a:endParaRPr lang="en-US" dirty="0" smtClean="0"/>
           </a:p>
@@ -6604,13 +6476,7 @@
               <a:rPr lang="en-US" dirty="0" smtClean="0">
                 <a:hlinkClick r:id="rId8"/>
               </a:rPr>
-              <a:t>https://habrahabr.ru/post/338970</a:t>
-            </a:r>
-            <a:r>
-              <a:rPr lang="en-US" dirty="0" smtClean="0">
-                <a:hlinkClick r:id="rId8"/>
-              </a:rPr>
-              <a:t>/</a:t>
+              <a:t>https://habrahabr.ru/post/338970/</a:t>
             </a:r>
             <a:endParaRPr lang="en-US" dirty="0" smtClean="0"/>
           </a:p>
@@ -6620,11 +6486,7 @@
           <a:p>
             <a:r>
               <a:rPr lang="ru-RU" dirty="0" smtClean="0"/>
-              <a:t>Сводная информация о разработке ботов </a:t>
-            </a:r>
-            <a:r>
-              <a:rPr lang="ru-RU" dirty="0" smtClean="0"/>
-              <a:t>для Telegram и </a:t>
+              <a:t>Сводная информация о разработке ботов для Telegram и </a:t>
             </a:r>
             <a:r>
               <a:rPr lang="ru-RU" dirty="0" err="1" smtClean="0"/>
@@ -6675,13 +6537,7 @@
               <a:rPr lang="en-US" dirty="0" smtClean="0">
                 <a:hlinkClick r:id="rId10"/>
               </a:rPr>
-              <a:t>https://</a:t>
-            </a:r>
-            <a:r>
-              <a:rPr lang="en-US" dirty="0" smtClean="0">
-                <a:hlinkClick r:id="rId10"/>
-              </a:rPr>
-              <a:t>www.youtube.com/watch?v=Ikt3e4j2cEc</a:t>
+              <a:t>https://www.youtube.com/watch?v=Ikt3e4j2cEc</a:t>
             </a:r>
             <a:endParaRPr lang="ru-RU" dirty="0" smtClean="0"/>
           </a:p>
@@ -6805,11 +6661,7 @@
           <a:p>
             <a:r>
               <a:rPr lang="ru-RU" dirty="0" smtClean="0"/>
-              <a:t>Требуется </a:t>
-            </a:r>
-            <a:r>
-              <a:rPr lang="ru-RU" dirty="0" smtClean="0"/>
-              <a:t>затраты на разработку интерфейса, способного работать на разных браузерах и ОС. От разработчиков требуется высокая квалификация в части </a:t>
+              <a:t>Требуется затраты на разработку интерфейса, способного работать на разных браузерах и ОС. От разработчиков требуется высокая квалификация в части </a:t>
             </a:r>
             <a:r>
               <a:rPr lang="en-US" dirty="0" smtClean="0"/>
@@ -6887,11 +6739,7 @@
           <a:p>
             <a:r>
               <a:rPr lang="ru-RU" dirty="0" smtClean="0"/>
-              <a:t>Достаточно придумать названия команд. Всю визуальную часть и поддержку разных ОС </a:t>
-            </a:r>
-            <a:r>
-              <a:rPr lang="ru-RU" dirty="0" smtClean="0"/>
-              <a:t>и браузеров берёт на себя мессенджер.</a:t>
+              <a:t>Достаточно придумать названия команд. Всю визуальную часть и поддержку разных ОС и браузеров берёт на себя мессенджер.</a:t>
             </a:r>
             <a:endParaRPr lang="en-US" dirty="0" smtClean="0"/>
           </a:p>
@@ -6922,7 +6770,6 @@
               <a:rPr lang="ru-RU" dirty="0" smtClean="0"/>
               <a:t> может поменяться</a:t>
             </a:r>
-            <a:endParaRPr lang="ru-RU" dirty="0" smtClean="0"/>
           </a:p>
         </p:txBody>
       </p:sp>
@@ -6949,11 +6796,7 @@
           <a:p>
             <a:r>
               <a:rPr lang="ru-RU" dirty="0" smtClean="0"/>
-              <a:t>В обоих случаях </a:t>
-            </a:r>
-            <a:r>
-              <a:rPr lang="ru-RU" dirty="0" smtClean="0"/>
-              <a:t>необходим </a:t>
+              <a:t>В обоих случаях необходим </a:t>
             </a:r>
             <a:r>
               <a:rPr lang="en-US" dirty="0" smtClean="0"/>
@@ -6963,7 +6806,6 @@
               <a:rPr lang="ru-RU" dirty="0" smtClean="0"/>
               <a:t>-слой обработки запросов и сервер для его хоста.</a:t>
             </a:r>
-            <a:endParaRPr lang="ru-RU" dirty="0" smtClean="0"/>
           </a:p>
         </p:txBody>
       </p:sp>
@@ -7066,11 +6908,7 @@
           <a:p>
             <a:r>
               <a:rPr lang="ru-RU" dirty="0" smtClean="0"/>
-              <a:t>Главный </a:t>
-            </a:r>
-            <a:r>
-              <a:rPr lang="ru-RU" dirty="0" smtClean="0"/>
-              <a:t>источник информации по созданию ботов</a:t>
+              <a:t>Главный источник информации по созданию ботов</a:t>
             </a:r>
           </a:p>
           <a:p>
@@ -7088,11 +6926,7 @@
           <a:p>
             <a:r>
               <a:rPr lang="ru-RU" dirty="0" smtClean="0"/>
-              <a:t>Бот </a:t>
-            </a:r>
-            <a:r>
-              <a:rPr lang="ru-RU" dirty="0" smtClean="0"/>
-              <a:t>состоит из двух частей</a:t>
+              <a:t>Бот состоит из двух частей</a:t>
             </a:r>
             <a:r>
               <a:rPr lang="en-US" dirty="0" smtClean="0"/>
@@ -7154,16 +6988,11 @@
               <a:rPr lang="ru-RU" sz="3200" dirty="0" smtClean="0"/>
               <a:t>Способы создания сервиса</a:t>
             </a:r>
-            <a:endParaRPr lang="ru-RU" sz="3200" dirty="0" smtClean="0"/>
-          </a:p>
-          <a:p>
-            <a:r>
-              <a:rPr lang="en-US" dirty="0" smtClean="0"/>
-              <a:t>1</a:t>
-            </a:r>
-            <a:r>
-              <a:rPr lang="en-US" dirty="0" smtClean="0"/>
-              <a:t>.</a:t>
+          </a:p>
+          <a:p>
+            <a:r>
+              <a:rPr lang="en-US" dirty="0" smtClean="0"/>
+              <a:t>1.</a:t>
             </a:r>
             <a:r>
               <a:rPr lang="ru-RU" dirty="0" smtClean="0"/>
@@ -7184,7 +7013,6 @@
               <a:rPr lang="en-US" dirty="0" smtClean="0"/>
               <a:t>SDK</a:t>
             </a:r>
-            <a:endParaRPr lang="en-US" dirty="0" smtClean="0"/>
           </a:p>
           <a:p>
             <a:r>
@@ -7255,13 +7083,7 @@
               <a:rPr lang="en-US" dirty="0" smtClean="0">
                 <a:hlinkClick r:id="rId3"/>
               </a:rPr>
-              <a:t>https://</a:t>
-            </a:r>
-            <a:r>
-              <a:rPr lang="en-US" dirty="0" smtClean="0">
-                <a:hlinkClick r:id="rId3"/>
-              </a:rPr>
-              <a:t>github.com/TelegramBots/telegram.bot</a:t>
+              <a:t>https://github.com/TelegramBots/telegram.bot</a:t>
             </a:r>
             <a:endParaRPr lang="ru-RU" dirty="0" smtClean="0"/>
           </a:p>
@@ -8490,15 +8312,7 @@
             </a:r>
             <a:r>
               <a:rPr lang="en-US" dirty="0" smtClean="0"/>
-              <a:t>const string token = “</a:t>
-            </a:r>
-            <a:r>
-              <a:rPr lang="en-US" dirty="0" smtClean="0"/>
-              <a:t>32423425:fadf343fRA</a:t>
-            </a:r>
-            <a:r>
-              <a:rPr lang="en-US" dirty="0" smtClean="0"/>
-              <a:t>";</a:t>
+              <a:t>const string token = “32423425:fadf343fRA";</a:t>
             </a:r>
           </a:p>
           <a:p>
